--- a/CI Interpretation.pptx
+++ b/CI Interpretation.pptx
@@ -5,11 +5,10 @@
     <p:sldMasterId id="2147483648" r:id="rId1"/>
   </p:sldMasterIdLst>
   <p:notesMasterIdLst>
-    <p:notesMasterId r:id="rId4"/>
+    <p:notesMasterId r:id="rId3"/>
   </p:notesMasterIdLst>
   <p:sldIdLst>
-    <p:sldId id="256" r:id="rId2"/>
-    <p:sldId id="257" r:id="rId3"/>
+    <p:sldId id="257" r:id="rId2"/>
   </p:sldIdLst>
   <p:sldSz cx="12192000" cy="6858000"/>
   <p:notesSz cx="7102475" cy="9388475"/>
@@ -198,7 +197,7 @@
           <a:p>
             <a:fld id="{5A145530-9C83-4AF0-BD02-726A274CBCB8}" type="datetimeFigureOut">
               <a:rPr lang="en-US" smtClean="0"/>
-              <a:t>1/26/2022</a:t>
+              <a:t>4/1/2022</a:t>
             </a:fld>
             <a:endParaRPr lang="en-US"/>
           </a:p>
@@ -573,123 +572,6 @@
     </p:spTree>
     <p:extLst>
       <p:ext uri="{BB962C8B-B14F-4D97-AF65-F5344CB8AC3E}">
-        <p14:creationId xmlns:p14="http://schemas.microsoft.com/office/powerpoint/2010/main" val="3413172051"/>
-      </p:ext>
-    </p:extLst>
-  </p:cSld>
-  <p:clrMapOvr>
-    <a:masterClrMapping/>
-  </p:clrMapOvr>
-</p:notes>
-</file>
-
-<file path=ppt/notesSlides/notesSlide2.xml><?xml version="1.0" encoding="utf-8"?>
-<p:notes xmlns:a="http://schemas.openxmlformats.org/drawingml/2006/main" xmlns:r="http://schemas.openxmlformats.org/officeDocument/2006/relationships" xmlns:p="http://schemas.openxmlformats.org/presentationml/2006/main">
-  <p:cSld>
-    <p:spTree>
-      <p:nvGrpSpPr>
-        <p:cNvPr id="1" name=""/>
-        <p:cNvGrpSpPr/>
-        <p:nvPr/>
-      </p:nvGrpSpPr>
-      <p:grpSpPr>
-        <a:xfrm>
-          <a:off x="0" y="0"/>
-          <a:ext cx="0" cy="0"/>
-          <a:chOff x="0" y="0"/>
-          <a:chExt cx="0" cy="0"/>
-        </a:xfrm>
-      </p:grpSpPr>
-      <p:sp>
-        <p:nvSpPr>
-          <p:cNvPr id="2" name="Slide Image Placeholder 1"/>
-          <p:cNvSpPr>
-            <a:spLocks noGrp="1" noRot="1" noChangeAspect="1"/>
-          </p:cNvSpPr>
-          <p:nvPr>
-            <p:ph type="sldImg"/>
-          </p:nvPr>
-        </p:nvSpPr>
-        <p:spPr/>
-      </p:sp>
-      <p:sp>
-        <p:nvSpPr>
-          <p:cNvPr id="3" name="Notes Placeholder 2"/>
-          <p:cNvSpPr>
-            <a:spLocks noGrp="1"/>
-          </p:cNvSpPr>
-          <p:nvPr>
-            <p:ph type="body" idx="1"/>
-          </p:nvPr>
-        </p:nvSpPr>
-        <p:spPr/>
-        <p:txBody>
-          <a:bodyPr/>
-          <a:lstStyle/>
-          <a:p>
-            <a:r>
-              <a:rPr lang="en-US" sz="1200" smtClean="0">
-                <a:hlinkClick r:id="rId3"/>
-              </a:rPr>
-              <a:t>https://academic.oup.com/ptj/article/79/2/186/2837119</a:t>
-            </a:r>
-            <a:endParaRPr lang="en-US" sz="1200" smtClean="0"/>
-          </a:p>
-          <a:p>
-            <a:r>
-              <a:rPr lang="en-US" sz="1200" u="sng" smtClean="0"/>
-              <a:t>https://slidetodoc.com/statistical-significance-using-confidence-intervals-dr-shaik-shaffi-2/</a:t>
-            </a:r>
-            <a:endParaRPr lang="en-US" sz="1200" smtClean="0"/>
-          </a:p>
-          <a:p>
-            <a:r>
-              <a:rPr lang="en-US" sz="1200" smtClean="0">
-                <a:hlinkClick r:id="rId4"/>
-              </a:rPr>
-              <a:t>https://www.researchgate.net/publication/259387200_Assessing_environmentally_significant_effects_A_better_strength-of-evidence_than_a_single_P_value</a:t>
-            </a:r>
-            <a:endParaRPr lang="en-US" sz="1200" smtClean="0"/>
-          </a:p>
-          <a:p>
-            <a:r>
-              <a:rPr lang="en-US" smtClean="0"/>
-              <a:t>Guido,</a:t>
-            </a:r>
-            <a:r>
-              <a:rPr lang="en-US" baseline="0" smtClean="0"/>
-              <a:t> potentially relevant</a:t>
-            </a:r>
-            <a:endParaRPr lang="en-US"/>
-          </a:p>
-        </p:txBody>
-      </p:sp>
-      <p:sp>
-        <p:nvSpPr>
-          <p:cNvPr id="4" name="Slide Number Placeholder 3"/>
-          <p:cNvSpPr>
-            <a:spLocks noGrp="1"/>
-          </p:cNvSpPr>
-          <p:nvPr>
-            <p:ph type="sldNum" sz="quarter" idx="10"/>
-          </p:nvPr>
-        </p:nvSpPr>
-        <p:spPr/>
-        <p:txBody>
-          <a:bodyPr/>
-          <a:lstStyle/>
-          <a:p>
-            <a:fld id="{94C35D3A-88E6-4322-ADD0-65925EC09973}" type="slidenum">
-              <a:rPr lang="en-US" smtClean="0"/>
-              <a:t>2</a:t>
-            </a:fld>
-            <a:endParaRPr lang="en-US"/>
-          </a:p>
-        </p:txBody>
-      </p:sp>
-    </p:spTree>
-    <p:extLst>
-      <p:ext uri="{BB962C8B-B14F-4D97-AF65-F5344CB8AC3E}">
         <p14:creationId xmlns:p14="http://schemas.microsoft.com/office/powerpoint/2010/main" val="3087494735"/>
       </p:ext>
     </p:extLst>
@@ -831,7 +713,7 @@
           <a:p>
             <a:fld id="{72C97162-A2EF-45EE-919B-EABEBBD04E8C}" type="datetimeFigureOut">
               <a:rPr lang="en-US" smtClean="0"/>
-              <a:t>1/26/2022</a:t>
+              <a:t>4/1/2022</a:t>
             </a:fld>
             <a:endParaRPr lang="en-US"/>
           </a:p>
@@ -1001,7 +883,7 @@
           <a:p>
             <a:fld id="{72C97162-A2EF-45EE-919B-EABEBBD04E8C}" type="datetimeFigureOut">
               <a:rPr lang="en-US" smtClean="0"/>
-              <a:t>1/26/2022</a:t>
+              <a:t>4/1/2022</a:t>
             </a:fld>
             <a:endParaRPr lang="en-US"/>
           </a:p>
@@ -1181,7 +1063,7 @@
           <a:p>
             <a:fld id="{72C97162-A2EF-45EE-919B-EABEBBD04E8C}" type="datetimeFigureOut">
               <a:rPr lang="en-US" smtClean="0"/>
-              <a:t>1/26/2022</a:t>
+              <a:t>4/1/2022</a:t>
             </a:fld>
             <a:endParaRPr lang="en-US"/>
           </a:p>
@@ -1351,7 +1233,7 @@
           <a:p>
             <a:fld id="{72C97162-A2EF-45EE-919B-EABEBBD04E8C}" type="datetimeFigureOut">
               <a:rPr lang="en-US" smtClean="0"/>
-              <a:t>1/26/2022</a:t>
+              <a:t>4/1/2022</a:t>
             </a:fld>
             <a:endParaRPr lang="en-US"/>
           </a:p>
@@ -1597,7 +1479,7 @@
           <a:p>
             <a:fld id="{72C97162-A2EF-45EE-919B-EABEBBD04E8C}" type="datetimeFigureOut">
               <a:rPr lang="en-US" smtClean="0"/>
-              <a:t>1/26/2022</a:t>
+              <a:t>4/1/2022</a:t>
             </a:fld>
             <a:endParaRPr lang="en-US"/>
           </a:p>
@@ -1829,7 +1711,7 @@
           <a:p>
             <a:fld id="{72C97162-A2EF-45EE-919B-EABEBBD04E8C}" type="datetimeFigureOut">
               <a:rPr lang="en-US" smtClean="0"/>
-              <a:t>1/26/2022</a:t>
+              <a:t>4/1/2022</a:t>
             </a:fld>
             <a:endParaRPr lang="en-US"/>
           </a:p>
@@ -2196,7 +2078,7 @@
           <a:p>
             <a:fld id="{72C97162-A2EF-45EE-919B-EABEBBD04E8C}" type="datetimeFigureOut">
               <a:rPr lang="en-US" smtClean="0"/>
-              <a:t>1/26/2022</a:t>
+              <a:t>4/1/2022</a:t>
             </a:fld>
             <a:endParaRPr lang="en-US"/>
           </a:p>
@@ -2314,7 +2196,7 @@
           <a:p>
             <a:fld id="{72C97162-A2EF-45EE-919B-EABEBBD04E8C}" type="datetimeFigureOut">
               <a:rPr lang="en-US" smtClean="0"/>
-              <a:t>1/26/2022</a:t>
+              <a:t>4/1/2022</a:t>
             </a:fld>
             <a:endParaRPr lang="en-US"/>
           </a:p>
@@ -2409,7 +2291,7 @@
           <a:p>
             <a:fld id="{72C97162-A2EF-45EE-919B-EABEBBD04E8C}" type="datetimeFigureOut">
               <a:rPr lang="en-US" smtClean="0"/>
-              <a:t>1/26/2022</a:t>
+              <a:t>4/1/2022</a:t>
             </a:fld>
             <a:endParaRPr lang="en-US"/>
           </a:p>
@@ -2686,7 +2568,7 @@
           <a:p>
             <a:fld id="{72C97162-A2EF-45EE-919B-EABEBBD04E8C}" type="datetimeFigureOut">
               <a:rPr lang="en-US" smtClean="0"/>
-              <a:t>1/26/2022</a:t>
+              <a:t>4/1/2022</a:t>
             </a:fld>
             <a:endParaRPr lang="en-US"/>
           </a:p>
@@ -2939,7 +2821,7 @@
           <a:p>
             <a:fld id="{72C97162-A2EF-45EE-919B-EABEBBD04E8C}" type="datetimeFigureOut">
               <a:rPr lang="en-US" smtClean="0"/>
-              <a:t>1/26/2022</a:t>
+              <a:t>4/1/2022</a:t>
             </a:fld>
             <a:endParaRPr lang="en-US"/>
           </a:p>
@@ -3152,7 +3034,7 @@
           <a:p>
             <a:fld id="{72C97162-A2EF-45EE-919B-EABEBBD04E8C}" type="datetimeFigureOut">
               <a:rPr lang="en-US" smtClean="0"/>
-              <a:t>1/26/2022</a:t>
+              <a:t>4/1/2022</a:t>
             </a:fld>
             <a:endParaRPr lang="en-US"/>
           </a:p>
@@ -3541,3379 +3423,6 @@
 </file>
 
 <file path=ppt/slides/slide1.xml><?xml version="1.0" encoding="utf-8"?>
-<p:sld xmlns:a="http://schemas.openxmlformats.org/drawingml/2006/main" xmlns:r="http://schemas.openxmlformats.org/officeDocument/2006/relationships" xmlns:p="http://schemas.openxmlformats.org/presentationml/2006/main">
-  <p:cSld>
-    <p:spTree>
-      <p:nvGrpSpPr>
-        <p:cNvPr id="1" name=""/>
-        <p:cNvGrpSpPr/>
-        <p:nvPr/>
-      </p:nvGrpSpPr>
-      <p:grpSpPr>
-        <a:xfrm>
-          <a:off x="0" y="0"/>
-          <a:ext cx="0" cy="0"/>
-          <a:chOff x="0" y="0"/>
-          <a:chExt cx="0" cy="0"/>
-        </a:xfrm>
-      </p:grpSpPr>
-      <p:grpSp>
-        <p:nvGrpSpPr>
-          <p:cNvPr id="71" name="Group 70"/>
-          <p:cNvGrpSpPr/>
-          <p:nvPr/>
-        </p:nvGrpSpPr>
-        <p:grpSpPr>
-          <a:xfrm>
-            <a:off x="5078173" y="5240978"/>
-            <a:ext cx="1345391" cy="719589"/>
-            <a:chOff x="4223023" y="5746197"/>
-            <a:chExt cx="1345391" cy="719589"/>
-          </a:xfrm>
-        </p:grpSpPr>
-        <p:cxnSp>
-          <p:nvCxnSpPr>
-            <p:cNvPr id="8" name="Straight Connector 7"/>
-            <p:cNvCxnSpPr/>
-            <p:nvPr/>
-          </p:nvCxnSpPr>
-          <p:spPr>
-            <a:xfrm>
-              <a:off x="4656929" y="5746197"/>
-              <a:ext cx="0" cy="256265"/>
-            </a:xfrm>
-            <a:prstGeom prst="line">
-              <a:avLst/>
-            </a:prstGeom>
-            <a:ln w="28575">
-              <a:solidFill>
-                <a:srgbClr val="FF0000"/>
-              </a:solidFill>
-            </a:ln>
-          </p:spPr>
-          <p:style>
-            <a:lnRef idx="1">
-              <a:schemeClr val="accent1"/>
-            </a:lnRef>
-            <a:fillRef idx="0">
-              <a:schemeClr val="accent1"/>
-            </a:fillRef>
-            <a:effectRef idx="0">
-              <a:schemeClr val="accent1"/>
-            </a:effectRef>
-            <a:fontRef idx="minor">
-              <a:schemeClr val="tx1"/>
-            </a:fontRef>
-          </p:style>
-        </p:cxnSp>
-        <p:sp>
-          <p:nvSpPr>
-            <p:cNvPr id="9" name="TextBox 8"/>
-            <p:cNvSpPr txBox="1"/>
-            <p:nvPr/>
-          </p:nvSpPr>
-          <p:spPr>
-            <a:xfrm>
-              <a:off x="4223023" y="6127232"/>
-              <a:ext cx="1345391" cy="338554"/>
-            </a:xfrm>
-            <a:prstGeom prst="rect">
-              <a:avLst/>
-            </a:prstGeom>
-            <a:noFill/>
-          </p:spPr>
-          <p:txBody>
-            <a:bodyPr wrap="square" rtlCol="0">
-              <a:spAutoFit/>
-            </a:bodyPr>
-            <a:lstStyle/>
-            <a:p>
-              <a:r>
-                <a:rPr lang="en-US" sz="1600">
-                  <a:latin typeface="Arial" panose="020B0604020202020204" pitchFamily="34" charset="0"/>
-                  <a:cs typeface="Arial" panose="020B0604020202020204" pitchFamily="34" charset="0"/>
-                </a:rPr>
-                <a:t>Null value</a:t>
-              </a:r>
-            </a:p>
-          </p:txBody>
-        </p:sp>
-      </p:grpSp>
-      <p:grpSp>
-        <p:nvGrpSpPr>
-          <p:cNvPr id="65" name="Group 64"/>
-          <p:cNvGrpSpPr/>
-          <p:nvPr/>
-        </p:nvGrpSpPr>
-        <p:grpSpPr>
-          <a:xfrm>
-            <a:off x="6314167" y="5370827"/>
-            <a:ext cx="1932686" cy="559780"/>
-            <a:chOff x="2231933" y="1045222"/>
-            <a:chExt cx="1932686" cy="559780"/>
-          </a:xfrm>
-        </p:grpSpPr>
-        <p:cxnSp>
-          <p:nvCxnSpPr>
-            <p:cNvPr id="11" name="Straight Arrow Connector 10"/>
-            <p:cNvCxnSpPr/>
-            <p:nvPr/>
-          </p:nvCxnSpPr>
-          <p:spPr>
-            <a:xfrm flipV="1">
-              <a:off x="2600123" y="1045222"/>
-              <a:ext cx="873631" cy="3778"/>
-            </a:xfrm>
-            <a:prstGeom prst="straightConnector1">
-              <a:avLst/>
-            </a:prstGeom>
-            <a:ln w="28575">
-              <a:solidFill>
-                <a:schemeClr val="tx1"/>
-              </a:solidFill>
-              <a:headEnd type="triangle"/>
-              <a:tailEnd type="triangle"/>
-            </a:ln>
-          </p:spPr>
-          <p:style>
-            <a:lnRef idx="1">
-              <a:schemeClr val="accent1"/>
-            </a:lnRef>
-            <a:fillRef idx="0">
-              <a:schemeClr val="accent1"/>
-            </a:fillRef>
-            <a:effectRef idx="0">
-              <a:schemeClr val="accent1"/>
-            </a:effectRef>
-            <a:fontRef idx="minor">
-              <a:schemeClr val="tx1"/>
-            </a:fontRef>
-          </p:style>
-        </p:cxnSp>
-        <p:sp>
-          <p:nvSpPr>
-            <p:cNvPr id="12" name="TextBox 11"/>
-            <p:cNvSpPr txBox="1"/>
-            <p:nvPr/>
-          </p:nvSpPr>
-          <p:spPr>
-            <a:xfrm>
-              <a:off x="2231933" y="1266448"/>
-              <a:ext cx="1932686" cy="338554"/>
-            </a:xfrm>
-            <a:prstGeom prst="rect">
-              <a:avLst/>
-            </a:prstGeom>
-            <a:noFill/>
-          </p:spPr>
-          <p:txBody>
-            <a:bodyPr wrap="square" rtlCol="0">
-              <a:spAutoFit/>
-            </a:bodyPr>
-            <a:lstStyle/>
-            <a:p>
-              <a:r>
-                <a:rPr lang="en-US" sz="1600">
-                  <a:latin typeface="Arial" panose="020B0604020202020204" pitchFamily="34" charset="0"/>
-                  <a:cs typeface="Arial" panose="020B0604020202020204" pitchFamily="34" charset="0"/>
-                </a:rPr>
-                <a:t>Confidence Interval</a:t>
-              </a:r>
-            </a:p>
-          </p:txBody>
-        </p:sp>
-      </p:grpSp>
-      <p:sp>
-        <p:nvSpPr>
-          <p:cNvPr id="13" name="TextBox 12"/>
-          <p:cNvSpPr txBox="1"/>
-          <p:nvPr/>
-        </p:nvSpPr>
-        <p:spPr>
-          <a:xfrm>
-            <a:off x="1856605" y="5594463"/>
-            <a:ext cx="2984900" cy="584775"/>
-          </a:xfrm>
-          <a:prstGeom prst="rect">
-            <a:avLst/>
-          </a:prstGeom>
-          <a:noFill/>
-        </p:spPr>
-        <p:txBody>
-          <a:bodyPr wrap="square" rtlCol="0">
-            <a:spAutoFit/>
-          </a:bodyPr>
-          <a:lstStyle/>
-          <a:p>
-            <a:r>
-              <a:rPr lang="en-US" sz="1600" smtClean="0">
-                <a:latin typeface="Arial" panose="020B0604020202020204" pitchFamily="34" charset="0"/>
-                <a:cs typeface="Arial" panose="020B0604020202020204" pitchFamily="34" charset="0"/>
-              </a:rPr>
-              <a:t>Range of practical indifference</a:t>
-            </a:r>
-          </a:p>
-          <a:p>
-            <a:pPr algn="ctr"/>
-            <a:r>
-              <a:rPr lang="en-US" sz="1600" smtClean="0">
-                <a:latin typeface="Arial" panose="020B0604020202020204" pitchFamily="34" charset="0"/>
-                <a:cs typeface="Arial" panose="020B0604020202020204" pitchFamily="34" charset="0"/>
-              </a:rPr>
-              <a:t>(RPI)</a:t>
-            </a:r>
-            <a:endParaRPr lang="en-US" sz="1600">
-              <a:latin typeface="Arial" panose="020B0604020202020204" pitchFamily="34" charset="0"/>
-              <a:cs typeface="Arial" panose="020B0604020202020204" pitchFamily="34" charset="0"/>
-            </a:endParaRPr>
-          </a:p>
-        </p:txBody>
-      </p:sp>
-      <p:graphicFrame>
-        <p:nvGraphicFramePr>
-          <p:cNvPr id="44" name="Table 43"/>
-          <p:cNvGraphicFramePr>
-            <a:graphicFrameLocks noGrp="1"/>
-          </p:cNvGraphicFramePr>
-          <p:nvPr>
-            <p:extLst>
-              <p:ext uri="{D42A27DB-BD31-4B8C-83A1-F6EECF244321}">
-                <p14:modId xmlns:p14="http://schemas.microsoft.com/office/powerpoint/2010/main" val="4146128105"/>
-              </p:ext>
-            </p:extLst>
-          </p:nvPr>
-        </p:nvGraphicFramePr>
-        <p:xfrm>
-          <a:off x="1333743" y="942512"/>
-          <a:ext cx="10421186" cy="4053840"/>
-        </p:xfrm>
-        <a:graphic>
-          <a:graphicData uri="http://schemas.openxmlformats.org/drawingml/2006/table">
-            <a:tbl>
-              <a:tblPr firstRow="1" bandRow="1">
-                <a:tableStyleId>{93296810-A885-4BE3-A3E7-6D5BEEA58F35}</a:tableStyleId>
-              </a:tblPr>
-              <a:tblGrid>
-                <a:gridCol w="3584878"/>
-                <a:gridCol w="1214170"/>
-                <a:gridCol w="1310596"/>
-                <a:gridCol w="1149419"/>
-                <a:gridCol w="3162123"/>
-              </a:tblGrid>
-              <a:tr h="370840">
-                <a:tc>
-                  <a:txBody>
-                    <a:bodyPr/>
-                    <a:lstStyle/>
-                    <a:p>
-                      <a:endParaRPr lang="en-US" sz="1600">
-                        <a:solidFill>
-                          <a:schemeClr val="tx1"/>
-                        </a:solidFill>
-                      </a:endParaRPr>
-                    </a:p>
-                  </a:txBody>
-                  <a:tcPr>
-                    <a:lnL w="12700" cap="flat" cmpd="sng" algn="ctr">
-                      <a:solidFill>
-                        <a:schemeClr val="tx1"/>
-                      </a:solidFill>
-                      <a:prstDash val="solid"/>
-                      <a:round/>
-                      <a:headEnd type="none" w="med" len="med"/>
-                      <a:tailEnd type="none" w="med" len="med"/>
-                    </a:lnL>
-                    <a:lnR w="12700" cap="flat" cmpd="sng" algn="ctr">
-                      <a:solidFill>
-                        <a:schemeClr val="tx1"/>
-                      </a:solidFill>
-                      <a:prstDash val="solid"/>
-                      <a:round/>
-                      <a:headEnd type="none" w="med" len="med"/>
-                      <a:tailEnd type="none" w="med" len="med"/>
-                    </a:lnR>
-                    <a:lnT w="12700" cap="flat" cmpd="sng" algn="ctr">
-                      <a:solidFill>
-                        <a:schemeClr val="tx1"/>
-                      </a:solidFill>
-                      <a:prstDash val="solid"/>
-                      <a:round/>
-                      <a:headEnd type="none" w="med" len="med"/>
-                      <a:tailEnd type="none" w="med" len="med"/>
-                    </a:lnT>
-                    <a:lnB w="12700" cap="flat" cmpd="sng" algn="ctr">
-                      <a:solidFill>
-                        <a:schemeClr val="tx1"/>
-                      </a:solidFill>
-                      <a:prstDash val="solid"/>
-                      <a:round/>
-                      <a:headEnd type="none" w="med" len="med"/>
-                      <a:tailEnd type="none" w="med" len="med"/>
-                    </a:lnB>
-                    <a:noFill/>
-                  </a:tcPr>
-                </a:tc>
-                <a:tc>
-                  <a:txBody>
-                    <a:bodyPr/>
-                    <a:lstStyle/>
-                    <a:p>
-                      <a:r>
-                        <a:rPr lang="en-US" sz="1600" smtClean="0">
-                          <a:solidFill>
-                            <a:schemeClr val="tx1"/>
-                          </a:solidFill>
-                        </a:rPr>
-                        <a:t>Statistical</a:t>
-                      </a:r>
-                      <a:r>
-                        <a:rPr lang="en-US" sz="1600" baseline="0" smtClean="0">
-                          <a:solidFill>
-                            <a:schemeClr val="tx1"/>
-                          </a:solidFill>
-                        </a:rPr>
-                        <a:t> significance</a:t>
-                      </a:r>
-                      <a:endParaRPr lang="en-US" sz="1600">
-                        <a:solidFill>
-                          <a:schemeClr val="tx1"/>
-                        </a:solidFill>
-                      </a:endParaRPr>
-                    </a:p>
-                  </a:txBody>
-                  <a:tcPr>
-                    <a:lnL w="12700" cap="flat" cmpd="sng" algn="ctr">
-                      <a:solidFill>
-                        <a:schemeClr val="tx1"/>
-                      </a:solidFill>
-                      <a:prstDash val="solid"/>
-                      <a:round/>
-                      <a:headEnd type="none" w="med" len="med"/>
-                      <a:tailEnd type="none" w="med" len="med"/>
-                    </a:lnL>
-                    <a:lnR w="12700" cap="flat" cmpd="sng" algn="ctr">
-                      <a:solidFill>
-                        <a:schemeClr val="tx1"/>
-                      </a:solidFill>
-                      <a:prstDash val="solid"/>
-                      <a:round/>
-                      <a:headEnd type="none" w="med" len="med"/>
-                      <a:tailEnd type="none" w="med" len="med"/>
-                    </a:lnR>
-                    <a:lnT w="12700" cap="flat" cmpd="sng" algn="ctr">
-                      <a:solidFill>
-                        <a:schemeClr val="tx1"/>
-                      </a:solidFill>
-                      <a:prstDash val="solid"/>
-                      <a:round/>
-                      <a:headEnd type="none" w="med" len="med"/>
-                      <a:tailEnd type="none" w="med" len="med"/>
-                    </a:lnT>
-                    <a:lnB w="12700" cap="flat" cmpd="sng" algn="ctr">
-                      <a:solidFill>
-                        <a:schemeClr val="tx1"/>
-                      </a:solidFill>
-                      <a:prstDash val="solid"/>
-                      <a:round/>
-                      <a:headEnd type="none" w="med" len="med"/>
-                      <a:tailEnd type="none" w="med" len="med"/>
-                    </a:lnB>
-                    <a:noFill/>
-                  </a:tcPr>
-                </a:tc>
-                <a:tc>
-                  <a:txBody>
-                    <a:bodyPr/>
-                    <a:lstStyle/>
-                    <a:p>
-                      <a:r>
-                        <a:rPr lang="en-US" sz="1600" smtClean="0">
-                          <a:solidFill>
-                            <a:schemeClr val="tx1"/>
-                          </a:solidFill>
-                        </a:rPr>
-                        <a:t>Practical significance</a:t>
-                      </a:r>
-                      <a:endParaRPr lang="en-US" sz="1600">
-                        <a:solidFill>
-                          <a:schemeClr val="tx1"/>
-                        </a:solidFill>
-                      </a:endParaRPr>
-                    </a:p>
-                  </a:txBody>
-                  <a:tcPr>
-                    <a:lnL w="12700" cap="flat" cmpd="sng" algn="ctr">
-                      <a:solidFill>
-                        <a:schemeClr val="tx1"/>
-                      </a:solidFill>
-                      <a:prstDash val="solid"/>
-                      <a:round/>
-                      <a:headEnd type="none" w="med" len="med"/>
-                      <a:tailEnd type="none" w="med" len="med"/>
-                    </a:lnL>
-                    <a:lnR w="12700" cap="flat" cmpd="sng" algn="ctr">
-                      <a:solidFill>
-                        <a:schemeClr val="tx1"/>
-                      </a:solidFill>
-                      <a:prstDash val="solid"/>
-                      <a:round/>
-                      <a:headEnd type="none" w="med" len="med"/>
-                      <a:tailEnd type="none" w="med" len="med"/>
-                    </a:lnR>
-                    <a:lnT w="12700" cap="flat" cmpd="sng" algn="ctr">
-                      <a:solidFill>
-                        <a:schemeClr val="tx1"/>
-                      </a:solidFill>
-                      <a:prstDash val="solid"/>
-                      <a:round/>
-                      <a:headEnd type="none" w="med" len="med"/>
-                      <a:tailEnd type="none" w="med" len="med"/>
-                    </a:lnT>
-                    <a:lnB w="12700" cap="flat" cmpd="sng" algn="ctr">
-                      <a:solidFill>
-                        <a:schemeClr val="tx1"/>
-                      </a:solidFill>
-                      <a:prstDash val="solid"/>
-                      <a:round/>
-                      <a:headEnd type="none" w="med" len="med"/>
-                      <a:tailEnd type="none" w="med" len="med"/>
-                    </a:lnB>
-                    <a:noFill/>
-                  </a:tcPr>
-                </a:tc>
-                <a:tc>
-                  <a:txBody>
-                    <a:bodyPr/>
-                    <a:lstStyle/>
-                    <a:p>
-                      <a:r>
-                        <a:rPr lang="en-US" sz="1600" smtClean="0">
-                          <a:solidFill>
-                            <a:schemeClr val="tx1"/>
-                          </a:solidFill>
-                        </a:rPr>
-                        <a:t>Strength of relation</a:t>
-                      </a:r>
-                      <a:endParaRPr lang="en-US" sz="1600">
-                        <a:solidFill>
-                          <a:schemeClr val="tx1"/>
-                        </a:solidFill>
-                      </a:endParaRPr>
-                    </a:p>
-                  </a:txBody>
-                  <a:tcPr>
-                    <a:lnL w="12700" cap="flat" cmpd="sng" algn="ctr">
-                      <a:solidFill>
-                        <a:schemeClr val="tx1"/>
-                      </a:solidFill>
-                      <a:prstDash val="solid"/>
-                      <a:round/>
-                      <a:headEnd type="none" w="med" len="med"/>
-                      <a:tailEnd type="none" w="med" len="med"/>
-                    </a:lnL>
-                    <a:lnR w="12700" cap="flat" cmpd="sng" algn="ctr">
-                      <a:solidFill>
-                        <a:schemeClr val="tx1"/>
-                      </a:solidFill>
-                      <a:prstDash val="solid"/>
-                      <a:round/>
-                      <a:headEnd type="none" w="med" len="med"/>
-                      <a:tailEnd type="none" w="med" len="med"/>
-                    </a:lnR>
-                    <a:lnT w="12700" cap="flat" cmpd="sng" algn="ctr">
-                      <a:solidFill>
-                        <a:schemeClr val="tx1"/>
-                      </a:solidFill>
-                      <a:prstDash val="solid"/>
-                      <a:round/>
-                      <a:headEnd type="none" w="med" len="med"/>
-                      <a:tailEnd type="none" w="med" len="med"/>
-                    </a:lnT>
-                    <a:lnB w="12700" cap="flat" cmpd="sng" algn="ctr">
-                      <a:solidFill>
-                        <a:schemeClr val="tx1"/>
-                      </a:solidFill>
-                      <a:prstDash val="solid"/>
-                      <a:round/>
-                      <a:headEnd type="none" w="med" len="med"/>
-                      <a:tailEnd type="none" w="med" len="med"/>
-                    </a:lnB>
-                    <a:noFill/>
-                  </a:tcPr>
-                </a:tc>
-                <a:tc>
-                  <a:txBody>
-                    <a:bodyPr/>
-                    <a:lstStyle/>
-                    <a:p>
-                      <a:pPr algn="ctr"/>
-                      <a:r>
-                        <a:rPr lang="en-US" sz="1600" smtClean="0">
-                          <a:solidFill>
-                            <a:schemeClr val="tx1"/>
-                          </a:solidFill>
-                        </a:rPr>
-                        <a:t>Collecting more data? </a:t>
-                      </a:r>
-                      <a:endParaRPr lang="en-US" sz="1600">
-                        <a:solidFill>
-                          <a:schemeClr val="tx1"/>
-                        </a:solidFill>
-                      </a:endParaRPr>
-                    </a:p>
-                  </a:txBody>
-                  <a:tcPr>
-                    <a:lnL w="12700" cap="flat" cmpd="sng" algn="ctr">
-                      <a:solidFill>
-                        <a:schemeClr val="tx1"/>
-                      </a:solidFill>
-                      <a:prstDash val="solid"/>
-                      <a:round/>
-                      <a:headEnd type="none" w="med" len="med"/>
-                      <a:tailEnd type="none" w="med" len="med"/>
-                    </a:lnL>
-                    <a:lnR w="12700" cap="flat" cmpd="sng" algn="ctr">
-                      <a:solidFill>
-                        <a:schemeClr val="tx1"/>
-                      </a:solidFill>
-                      <a:prstDash val="solid"/>
-                      <a:round/>
-                      <a:headEnd type="none" w="med" len="med"/>
-                      <a:tailEnd type="none" w="med" len="med"/>
-                    </a:lnR>
-                    <a:lnT w="12700" cap="flat" cmpd="sng" algn="ctr">
-                      <a:solidFill>
-                        <a:schemeClr val="tx1"/>
-                      </a:solidFill>
-                      <a:prstDash val="solid"/>
-                      <a:round/>
-                      <a:headEnd type="none" w="med" len="med"/>
-                      <a:tailEnd type="none" w="med" len="med"/>
-                    </a:lnT>
-                    <a:lnB w="12700" cap="flat" cmpd="sng" algn="ctr">
-                      <a:solidFill>
-                        <a:schemeClr val="tx1"/>
-                      </a:solidFill>
-                      <a:prstDash val="solid"/>
-                      <a:round/>
-                      <a:headEnd type="none" w="med" len="med"/>
-                      <a:tailEnd type="none" w="med" len="med"/>
-                    </a:lnB>
-                    <a:noFill/>
-                  </a:tcPr>
-                </a:tc>
-              </a:tr>
-              <a:tr h="370840">
-                <a:tc>
-                  <a:txBody>
-                    <a:bodyPr/>
-                    <a:lstStyle/>
-                    <a:p>
-                      <a:pPr algn="ctr"/>
-                      <a:endParaRPr lang="en-US" sz="1600" smtClean="0"/>
-                    </a:p>
-                  </a:txBody>
-                  <a:tcPr anchor="ctr">
-                    <a:lnL w="12700" cap="flat" cmpd="sng" algn="ctr">
-                      <a:solidFill>
-                        <a:schemeClr val="tx1"/>
-                      </a:solidFill>
-                      <a:prstDash val="solid"/>
-                      <a:round/>
-                      <a:headEnd type="none" w="med" len="med"/>
-                      <a:tailEnd type="none" w="med" len="med"/>
-                    </a:lnL>
-                    <a:lnR w="12700" cap="flat" cmpd="sng" algn="ctr">
-                      <a:solidFill>
-                        <a:schemeClr val="tx1"/>
-                      </a:solidFill>
-                      <a:prstDash val="solid"/>
-                      <a:round/>
-                      <a:headEnd type="none" w="med" len="med"/>
-                      <a:tailEnd type="none" w="med" len="med"/>
-                    </a:lnR>
-                    <a:lnT w="12700" cap="flat" cmpd="sng" algn="ctr">
-                      <a:solidFill>
-                        <a:schemeClr val="tx1"/>
-                      </a:solidFill>
-                      <a:prstDash val="solid"/>
-                      <a:round/>
-                      <a:headEnd type="none" w="med" len="med"/>
-                      <a:tailEnd type="none" w="med" len="med"/>
-                    </a:lnT>
-                    <a:lnB w="12700" cap="flat" cmpd="sng" algn="ctr">
-                      <a:solidFill>
-                        <a:schemeClr val="tx1"/>
-                      </a:solidFill>
-                      <a:prstDash val="solid"/>
-                      <a:round/>
-                      <a:headEnd type="none" w="med" len="med"/>
-                      <a:tailEnd type="none" w="med" len="med"/>
-                    </a:lnB>
-                    <a:noFill/>
-                  </a:tcPr>
-                </a:tc>
-                <a:tc>
-                  <a:txBody>
-                    <a:bodyPr/>
-                    <a:lstStyle/>
-                    <a:p>
-                      <a:pPr marL="0" algn="ctr" defTabSz="914400" rtl="0" eaLnBrk="1" latinLnBrk="0" hangingPunct="1"/>
-                      <a:r>
-                        <a:rPr lang="en-US" sz="1600" kern="1200" smtClean="0">
-                          <a:solidFill>
-                            <a:schemeClr val="dk1"/>
-                          </a:solidFill>
-                          <a:latin typeface="+mn-lt"/>
-                          <a:ea typeface="+mn-ea"/>
-                          <a:cs typeface="+mn-cs"/>
-                        </a:rPr>
-                        <a:t>×</a:t>
-                      </a:r>
-                    </a:p>
-                  </a:txBody>
-                  <a:tcPr anchor="ctr">
-                    <a:lnL w="12700" cap="flat" cmpd="sng" algn="ctr">
-                      <a:solidFill>
-                        <a:schemeClr val="tx1"/>
-                      </a:solidFill>
-                      <a:prstDash val="solid"/>
-                      <a:round/>
-                      <a:headEnd type="none" w="med" len="med"/>
-                      <a:tailEnd type="none" w="med" len="med"/>
-                    </a:lnL>
-                    <a:lnR w="12700" cap="flat" cmpd="sng" algn="ctr">
-                      <a:solidFill>
-                        <a:schemeClr val="tx1"/>
-                      </a:solidFill>
-                      <a:prstDash val="solid"/>
-                      <a:round/>
-                      <a:headEnd type="none" w="med" len="med"/>
-                      <a:tailEnd type="none" w="med" len="med"/>
-                    </a:lnR>
-                    <a:lnT w="12700" cap="flat" cmpd="sng" algn="ctr">
-                      <a:solidFill>
-                        <a:schemeClr val="tx1"/>
-                      </a:solidFill>
-                      <a:prstDash val="solid"/>
-                      <a:round/>
-                      <a:headEnd type="none" w="med" len="med"/>
-                      <a:tailEnd type="none" w="med" len="med"/>
-                    </a:lnT>
-                    <a:lnB w="12700" cap="flat" cmpd="sng" algn="ctr">
-                      <a:solidFill>
-                        <a:schemeClr val="tx1"/>
-                      </a:solidFill>
-                      <a:prstDash val="solid"/>
-                      <a:round/>
-                      <a:headEnd type="none" w="med" len="med"/>
-                      <a:tailEnd type="none" w="med" len="med"/>
-                    </a:lnB>
-                    <a:noFill/>
-                  </a:tcPr>
-                </a:tc>
-                <a:tc>
-                  <a:txBody>
-                    <a:bodyPr/>
-                    <a:lstStyle/>
-                    <a:p>
-                      <a:pPr algn="ctr"/>
-                      <a:r>
-                        <a:rPr lang="en-US" sz="1600" smtClean="0"/>
-                        <a:t>×</a:t>
-                      </a:r>
-                    </a:p>
-                  </a:txBody>
-                  <a:tcPr anchor="ctr">
-                    <a:lnL w="12700" cap="flat" cmpd="sng" algn="ctr">
-                      <a:solidFill>
-                        <a:schemeClr val="tx1"/>
-                      </a:solidFill>
-                      <a:prstDash val="solid"/>
-                      <a:round/>
-                      <a:headEnd type="none" w="med" len="med"/>
-                      <a:tailEnd type="none" w="med" len="med"/>
-                    </a:lnL>
-                    <a:lnR w="12700" cap="flat" cmpd="sng" algn="ctr">
-                      <a:solidFill>
-                        <a:schemeClr val="tx1"/>
-                      </a:solidFill>
-                      <a:prstDash val="solid"/>
-                      <a:round/>
-                      <a:headEnd type="none" w="med" len="med"/>
-                      <a:tailEnd type="none" w="med" len="med"/>
-                    </a:lnR>
-                    <a:lnT w="12700" cap="flat" cmpd="sng" algn="ctr">
-                      <a:solidFill>
-                        <a:schemeClr val="tx1"/>
-                      </a:solidFill>
-                      <a:prstDash val="solid"/>
-                      <a:round/>
-                      <a:headEnd type="none" w="med" len="med"/>
-                      <a:tailEnd type="none" w="med" len="med"/>
-                    </a:lnT>
-                    <a:lnB w="12700" cap="flat" cmpd="sng" algn="ctr">
-                      <a:solidFill>
-                        <a:schemeClr val="tx1"/>
-                      </a:solidFill>
-                      <a:prstDash val="solid"/>
-                      <a:round/>
-                      <a:headEnd type="none" w="med" len="med"/>
-                      <a:tailEnd type="none" w="med" len="med"/>
-                    </a:lnB>
-                    <a:noFill/>
-                  </a:tcPr>
-                </a:tc>
-                <a:tc>
-                  <a:txBody>
-                    <a:bodyPr/>
-                    <a:lstStyle/>
-                    <a:p>
-                      <a:pPr algn="ctr"/>
-                      <a:r>
-                        <a:rPr lang="en-US" sz="1600" smtClean="0"/>
-                        <a:t>No</a:t>
-                      </a:r>
-                    </a:p>
-                    <a:p>
-                      <a:pPr algn="ctr"/>
-                      <a:endParaRPr lang="en-US" sz="1600" smtClean="0"/>
-                    </a:p>
-                  </a:txBody>
-                  <a:tcPr anchor="ctr">
-                    <a:lnL w="12700" cap="flat" cmpd="sng" algn="ctr">
-                      <a:solidFill>
-                        <a:schemeClr val="tx1"/>
-                      </a:solidFill>
-                      <a:prstDash val="solid"/>
-                      <a:round/>
-                      <a:headEnd type="none" w="med" len="med"/>
-                      <a:tailEnd type="none" w="med" len="med"/>
-                    </a:lnL>
-                    <a:lnR w="12700" cap="flat" cmpd="sng" algn="ctr">
-                      <a:solidFill>
-                        <a:schemeClr val="tx1"/>
-                      </a:solidFill>
-                      <a:prstDash val="solid"/>
-                      <a:round/>
-                      <a:headEnd type="none" w="med" len="med"/>
-                      <a:tailEnd type="none" w="med" len="med"/>
-                    </a:lnR>
-                    <a:lnT w="12700" cap="flat" cmpd="sng" algn="ctr">
-                      <a:solidFill>
-                        <a:schemeClr val="tx1"/>
-                      </a:solidFill>
-                      <a:prstDash val="solid"/>
-                      <a:round/>
-                      <a:headEnd type="none" w="med" len="med"/>
-                      <a:tailEnd type="none" w="med" len="med"/>
-                    </a:lnT>
-                    <a:lnB w="12700" cap="flat" cmpd="sng" algn="ctr">
-                      <a:solidFill>
-                        <a:schemeClr val="tx1"/>
-                      </a:solidFill>
-                      <a:prstDash val="solid"/>
-                      <a:round/>
-                      <a:headEnd type="none" w="med" len="med"/>
-                      <a:tailEnd type="none" w="med" len="med"/>
-                    </a:lnB>
-                    <a:noFill/>
-                  </a:tcPr>
-                </a:tc>
-                <a:tc>
-                  <a:txBody>
-                    <a:bodyPr/>
-                    <a:lstStyle/>
-                    <a:p>
-                      <a:pPr algn="ctr"/>
-                      <a:r>
-                        <a:rPr lang="en-US" sz="1600" smtClean="0"/>
-                        <a:t>No</a:t>
-                      </a:r>
-                    </a:p>
-                  </a:txBody>
-                  <a:tcPr anchor="ctr">
-                    <a:lnL w="12700" cap="flat" cmpd="sng" algn="ctr">
-                      <a:solidFill>
-                        <a:schemeClr val="tx1"/>
-                      </a:solidFill>
-                      <a:prstDash val="solid"/>
-                      <a:round/>
-                      <a:headEnd type="none" w="med" len="med"/>
-                      <a:tailEnd type="none" w="med" len="med"/>
-                    </a:lnL>
-                    <a:lnR w="12700" cap="flat" cmpd="sng" algn="ctr">
-                      <a:solidFill>
-                        <a:schemeClr val="tx1"/>
-                      </a:solidFill>
-                      <a:prstDash val="solid"/>
-                      <a:round/>
-                      <a:headEnd type="none" w="med" len="med"/>
-                      <a:tailEnd type="none" w="med" len="med"/>
-                    </a:lnR>
-                    <a:lnT w="12700" cap="flat" cmpd="sng" algn="ctr">
-                      <a:solidFill>
-                        <a:schemeClr val="tx1"/>
-                      </a:solidFill>
-                      <a:prstDash val="solid"/>
-                      <a:round/>
-                      <a:headEnd type="none" w="med" len="med"/>
-                      <a:tailEnd type="none" w="med" len="med"/>
-                    </a:lnT>
-                    <a:lnB w="12700" cap="flat" cmpd="sng" algn="ctr">
-                      <a:solidFill>
-                        <a:schemeClr val="tx1"/>
-                      </a:solidFill>
-                      <a:prstDash val="solid"/>
-                      <a:round/>
-                      <a:headEnd type="none" w="med" len="med"/>
-                      <a:tailEnd type="none" w="med" len="med"/>
-                    </a:lnB>
-                    <a:noFill/>
-                  </a:tcPr>
-                </a:tc>
-              </a:tr>
-              <a:tr h="370840">
-                <a:tc>
-                  <a:txBody>
-                    <a:bodyPr/>
-                    <a:lstStyle/>
-                    <a:p>
-                      <a:pPr algn="ctr"/>
-                      <a:endParaRPr lang="en-US" sz="1600" smtClean="0"/>
-                    </a:p>
-                    <a:p>
-                      <a:pPr algn="ctr"/>
-                      <a:endParaRPr lang="en-US" sz="1600" smtClean="0"/>
-                    </a:p>
-                  </a:txBody>
-                  <a:tcPr anchor="ctr">
-                    <a:lnL w="12700" cap="flat" cmpd="sng" algn="ctr">
-                      <a:solidFill>
-                        <a:schemeClr val="tx1"/>
-                      </a:solidFill>
-                      <a:prstDash val="solid"/>
-                      <a:round/>
-                      <a:headEnd type="none" w="med" len="med"/>
-                      <a:tailEnd type="none" w="med" len="med"/>
-                    </a:lnL>
-                    <a:lnR w="12700" cap="flat" cmpd="sng" algn="ctr">
-                      <a:solidFill>
-                        <a:schemeClr val="tx1"/>
-                      </a:solidFill>
-                      <a:prstDash val="solid"/>
-                      <a:round/>
-                      <a:headEnd type="none" w="med" len="med"/>
-                      <a:tailEnd type="none" w="med" len="med"/>
-                    </a:lnR>
-                    <a:lnT w="12700" cap="flat" cmpd="sng" algn="ctr">
-                      <a:solidFill>
-                        <a:schemeClr val="tx1"/>
-                      </a:solidFill>
-                      <a:prstDash val="solid"/>
-                      <a:round/>
-                      <a:headEnd type="none" w="med" len="med"/>
-                      <a:tailEnd type="none" w="med" len="med"/>
-                    </a:lnT>
-                    <a:lnB w="12700" cap="flat" cmpd="sng" algn="ctr">
-                      <a:solidFill>
-                        <a:schemeClr val="tx1"/>
-                      </a:solidFill>
-                      <a:prstDash val="solid"/>
-                      <a:round/>
-                      <a:headEnd type="none" w="med" len="med"/>
-                      <a:tailEnd type="none" w="med" len="med"/>
-                    </a:lnB>
-                    <a:noFill/>
-                  </a:tcPr>
-                </a:tc>
-                <a:tc>
-                  <a:txBody>
-                    <a:bodyPr/>
-                    <a:lstStyle/>
-                    <a:p>
-                      <a:pPr algn="ctr"/>
-                      <a:r>
-                        <a:rPr lang="en-US" sz="1600" smtClean="0"/>
-                        <a:t>×</a:t>
-                      </a:r>
-                    </a:p>
-                  </a:txBody>
-                  <a:tcPr anchor="ctr">
-                    <a:lnL w="12700" cap="flat" cmpd="sng" algn="ctr">
-                      <a:solidFill>
-                        <a:schemeClr val="tx1"/>
-                      </a:solidFill>
-                      <a:prstDash val="solid"/>
-                      <a:round/>
-                      <a:headEnd type="none" w="med" len="med"/>
-                      <a:tailEnd type="none" w="med" len="med"/>
-                    </a:lnL>
-                    <a:lnR w="12700" cap="flat" cmpd="sng" algn="ctr">
-                      <a:solidFill>
-                        <a:schemeClr val="tx1"/>
-                      </a:solidFill>
-                      <a:prstDash val="solid"/>
-                      <a:round/>
-                      <a:headEnd type="none" w="med" len="med"/>
-                      <a:tailEnd type="none" w="med" len="med"/>
-                    </a:lnR>
-                    <a:lnT w="12700" cap="flat" cmpd="sng" algn="ctr">
-                      <a:solidFill>
-                        <a:schemeClr val="tx1"/>
-                      </a:solidFill>
-                      <a:prstDash val="solid"/>
-                      <a:round/>
-                      <a:headEnd type="none" w="med" len="med"/>
-                      <a:tailEnd type="none" w="med" len="med"/>
-                    </a:lnT>
-                    <a:lnB w="12700" cap="flat" cmpd="sng" algn="ctr">
-                      <a:solidFill>
-                        <a:schemeClr val="tx1"/>
-                      </a:solidFill>
-                      <a:prstDash val="solid"/>
-                      <a:round/>
-                      <a:headEnd type="none" w="med" len="med"/>
-                      <a:tailEnd type="none" w="med" len="med"/>
-                    </a:lnB>
-                    <a:noFill/>
-                  </a:tcPr>
-                </a:tc>
-                <a:tc>
-                  <a:txBody>
-                    <a:bodyPr/>
-                    <a:lstStyle/>
-                    <a:p>
-                      <a:pPr algn="ctr"/>
-                      <a:r>
-                        <a:rPr lang="en-US" sz="1600" smtClean="0"/>
-                        <a:t>Unsure</a:t>
-                      </a:r>
-                      <a:endParaRPr lang="en-US" sz="1600"/>
-                    </a:p>
-                  </a:txBody>
-                  <a:tcPr anchor="ctr">
-                    <a:lnL w="12700" cap="flat" cmpd="sng" algn="ctr">
-                      <a:solidFill>
-                        <a:schemeClr val="tx1"/>
-                      </a:solidFill>
-                      <a:prstDash val="solid"/>
-                      <a:round/>
-                      <a:headEnd type="none" w="med" len="med"/>
-                      <a:tailEnd type="none" w="med" len="med"/>
-                    </a:lnL>
-                    <a:lnR w="12700" cap="flat" cmpd="sng" algn="ctr">
-                      <a:solidFill>
-                        <a:schemeClr val="tx1"/>
-                      </a:solidFill>
-                      <a:prstDash val="solid"/>
-                      <a:round/>
-                      <a:headEnd type="none" w="med" len="med"/>
-                      <a:tailEnd type="none" w="med" len="med"/>
-                    </a:lnR>
-                    <a:lnT w="12700" cap="flat" cmpd="sng" algn="ctr">
-                      <a:solidFill>
-                        <a:schemeClr val="tx1"/>
-                      </a:solidFill>
-                      <a:prstDash val="solid"/>
-                      <a:round/>
-                      <a:headEnd type="none" w="med" len="med"/>
-                      <a:tailEnd type="none" w="med" len="med"/>
-                    </a:lnT>
-                    <a:lnB w="12700" cap="flat" cmpd="sng" algn="ctr">
-                      <a:solidFill>
-                        <a:schemeClr val="tx1"/>
-                      </a:solidFill>
-                      <a:prstDash val="solid"/>
-                      <a:round/>
-                      <a:headEnd type="none" w="med" len="med"/>
-                      <a:tailEnd type="none" w="med" len="med"/>
-                    </a:lnB>
-                    <a:noFill/>
-                  </a:tcPr>
-                </a:tc>
-                <a:tc>
-                  <a:txBody>
-                    <a:bodyPr/>
-                    <a:lstStyle/>
-                    <a:p>
-                      <a:pPr algn="ctr"/>
-                      <a:r>
-                        <a:rPr lang="en-US" sz="1600" smtClean="0"/>
-                        <a:t>Unsure</a:t>
-                      </a:r>
-                      <a:endParaRPr lang="en-US" sz="1600"/>
-                    </a:p>
-                  </a:txBody>
-                  <a:tcPr anchor="ctr">
-                    <a:lnL w="12700" cap="flat" cmpd="sng" algn="ctr">
-                      <a:solidFill>
-                        <a:schemeClr val="tx1"/>
-                      </a:solidFill>
-                      <a:prstDash val="solid"/>
-                      <a:round/>
-                      <a:headEnd type="none" w="med" len="med"/>
-                      <a:tailEnd type="none" w="med" len="med"/>
-                    </a:lnL>
-                    <a:lnR w="12700" cap="flat" cmpd="sng" algn="ctr">
-                      <a:solidFill>
-                        <a:schemeClr val="tx1"/>
-                      </a:solidFill>
-                      <a:prstDash val="solid"/>
-                      <a:round/>
-                      <a:headEnd type="none" w="med" len="med"/>
-                      <a:tailEnd type="none" w="med" len="med"/>
-                    </a:lnR>
-                    <a:lnT w="12700" cap="flat" cmpd="sng" algn="ctr">
-                      <a:solidFill>
-                        <a:schemeClr val="tx1"/>
-                      </a:solidFill>
-                      <a:prstDash val="solid"/>
-                      <a:round/>
-                      <a:headEnd type="none" w="med" len="med"/>
-                      <a:tailEnd type="none" w="med" len="med"/>
-                    </a:lnT>
-                    <a:lnB w="12700" cap="flat" cmpd="sng" algn="ctr">
-                      <a:solidFill>
-                        <a:schemeClr val="tx1"/>
-                      </a:solidFill>
-                      <a:prstDash val="solid"/>
-                      <a:round/>
-                      <a:headEnd type="none" w="med" len="med"/>
-                      <a:tailEnd type="none" w="med" len="med"/>
-                    </a:lnB>
-                    <a:noFill/>
-                  </a:tcPr>
-                </a:tc>
-                <a:tc>
-                  <a:txBody>
-                    <a:bodyPr/>
-                    <a:lstStyle/>
-                    <a:p>
-                      <a:pPr algn="ctr"/>
-                      <a:r>
-                        <a:rPr lang="en-US" sz="1600" smtClean="0"/>
-                        <a:t>Yes, but maybe</a:t>
-                      </a:r>
-                      <a:r>
-                        <a:rPr lang="en-US" sz="1600" baseline="0" smtClean="0"/>
-                        <a:t> a modest amount</a:t>
-                      </a:r>
-                      <a:endParaRPr lang="en-US" sz="1600" smtClean="0"/>
-                    </a:p>
-                  </a:txBody>
-                  <a:tcPr anchor="ctr">
-                    <a:lnL w="12700" cap="flat" cmpd="sng" algn="ctr">
-                      <a:solidFill>
-                        <a:schemeClr val="tx1"/>
-                      </a:solidFill>
-                      <a:prstDash val="solid"/>
-                      <a:round/>
-                      <a:headEnd type="none" w="med" len="med"/>
-                      <a:tailEnd type="none" w="med" len="med"/>
-                    </a:lnL>
-                    <a:lnR w="12700" cap="flat" cmpd="sng" algn="ctr">
-                      <a:solidFill>
-                        <a:schemeClr val="tx1"/>
-                      </a:solidFill>
-                      <a:prstDash val="solid"/>
-                      <a:round/>
-                      <a:headEnd type="none" w="med" len="med"/>
-                      <a:tailEnd type="none" w="med" len="med"/>
-                    </a:lnR>
-                    <a:lnT w="12700" cap="flat" cmpd="sng" algn="ctr">
-                      <a:solidFill>
-                        <a:schemeClr val="tx1"/>
-                      </a:solidFill>
-                      <a:prstDash val="solid"/>
-                      <a:round/>
-                      <a:headEnd type="none" w="med" len="med"/>
-                      <a:tailEnd type="none" w="med" len="med"/>
-                    </a:lnT>
-                    <a:lnB w="12700" cap="flat" cmpd="sng" algn="ctr">
-                      <a:solidFill>
-                        <a:schemeClr val="tx1"/>
-                      </a:solidFill>
-                      <a:prstDash val="solid"/>
-                      <a:round/>
-                      <a:headEnd type="none" w="med" len="med"/>
-                      <a:tailEnd type="none" w="med" len="med"/>
-                    </a:lnB>
-                    <a:noFill/>
-                  </a:tcPr>
-                </a:tc>
-              </a:tr>
-              <a:tr h="370840">
-                <a:tc>
-                  <a:txBody>
-                    <a:bodyPr/>
-                    <a:lstStyle/>
-                    <a:p>
-                      <a:pPr algn="ctr"/>
-                      <a:endParaRPr lang="en-US" sz="1600" smtClean="0"/>
-                    </a:p>
-                    <a:p>
-                      <a:pPr algn="ctr"/>
-                      <a:endParaRPr lang="en-US" sz="1600" smtClean="0"/>
-                    </a:p>
-                  </a:txBody>
-                  <a:tcPr anchor="ctr">
-                    <a:lnL w="12700" cap="flat" cmpd="sng" algn="ctr">
-                      <a:solidFill>
-                        <a:schemeClr val="tx1"/>
-                      </a:solidFill>
-                      <a:prstDash val="solid"/>
-                      <a:round/>
-                      <a:headEnd type="none" w="med" len="med"/>
-                      <a:tailEnd type="none" w="med" len="med"/>
-                    </a:lnL>
-                    <a:lnR w="12700" cap="flat" cmpd="sng" algn="ctr">
-                      <a:solidFill>
-                        <a:schemeClr val="tx1"/>
-                      </a:solidFill>
-                      <a:prstDash val="solid"/>
-                      <a:round/>
-                      <a:headEnd type="none" w="med" len="med"/>
-                      <a:tailEnd type="none" w="med" len="med"/>
-                    </a:lnR>
-                    <a:lnT w="12700" cap="flat" cmpd="sng" algn="ctr">
-                      <a:solidFill>
-                        <a:schemeClr val="tx1"/>
-                      </a:solidFill>
-                      <a:prstDash val="solid"/>
-                      <a:round/>
-                      <a:headEnd type="none" w="med" len="med"/>
-                      <a:tailEnd type="none" w="med" len="med"/>
-                    </a:lnT>
-                    <a:lnB w="12700" cap="flat" cmpd="sng" algn="ctr">
-                      <a:solidFill>
-                        <a:schemeClr val="tx1"/>
-                      </a:solidFill>
-                      <a:prstDash val="solid"/>
-                      <a:round/>
-                      <a:headEnd type="none" w="med" len="med"/>
-                      <a:tailEnd type="none" w="med" len="med"/>
-                    </a:lnB>
-                    <a:noFill/>
-                  </a:tcPr>
-                </a:tc>
-                <a:tc>
-                  <a:txBody>
-                    <a:bodyPr/>
-                    <a:lstStyle/>
-                    <a:p>
-                      <a:pPr marL="0" marR="0" lvl="0" indent="0" algn="ctr" defTabSz="914400" rtl="0" eaLnBrk="1" fontAlgn="auto" latinLnBrk="0" hangingPunct="1">
-                        <a:lnSpc>
-                          <a:spcPct val="100000"/>
-                        </a:lnSpc>
-                        <a:spcBef>
-                          <a:spcPts val="0"/>
-                        </a:spcBef>
-                        <a:spcAft>
-                          <a:spcPts val="0"/>
-                        </a:spcAft>
-                        <a:buClrTx/>
-                        <a:buSzTx/>
-                        <a:buFontTx/>
-                        <a:buNone/>
-                        <a:tabLst/>
-                        <a:defRPr/>
-                      </a:pPr>
-                      <a:r>
-                        <a:rPr lang="en-US" sz="1600" smtClean="0"/>
-                        <a:t>√</a:t>
-                      </a:r>
-                    </a:p>
-                  </a:txBody>
-                  <a:tcPr anchor="ctr">
-                    <a:lnL w="12700" cap="flat" cmpd="sng" algn="ctr">
-                      <a:solidFill>
-                        <a:schemeClr val="tx1"/>
-                      </a:solidFill>
-                      <a:prstDash val="solid"/>
-                      <a:round/>
-                      <a:headEnd type="none" w="med" len="med"/>
-                      <a:tailEnd type="none" w="med" len="med"/>
-                    </a:lnL>
-                    <a:lnR w="12700" cap="flat" cmpd="sng" algn="ctr">
-                      <a:solidFill>
-                        <a:schemeClr val="tx1"/>
-                      </a:solidFill>
-                      <a:prstDash val="solid"/>
-                      <a:round/>
-                      <a:headEnd type="none" w="med" len="med"/>
-                      <a:tailEnd type="none" w="med" len="med"/>
-                    </a:lnR>
-                    <a:lnT w="12700" cap="flat" cmpd="sng" algn="ctr">
-                      <a:solidFill>
-                        <a:schemeClr val="tx1"/>
-                      </a:solidFill>
-                      <a:prstDash val="solid"/>
-                      <a:round/>
-                      <a:headEnd type="none" w="med" len="med"/>
-                      <a:tailEnd type="none" w="med" len="med"/>
-                    </a:lnT>
-                    <a:lnB w="12700" cap="flat" cmpd="sng" algn="ctr">
-                      <a:solidFill>
-                        <a:schemeClr val="tx1"/>
-                      </a:solidFill>
-                      <a:prstDash val="solid"/>
-                      <a:round/>
-                      <a:headEnd type="none" w="med" len="med"/>
-                      <a:tailEnd type="none" w="med" len="med"/>
-                    </a:lnB>
-                    <a:noFill/>
-                  </a:tcPr>
-                </a:tc>
-                <a:tc>
-                  <a:txBody>
-                    <a:bodyPr/>
-                    <a:lstStyle/>
-                    <a:p>
-                      <a:pPr marL="0" marR="0" lvl="0" indent="0" algn="ctr" defTabSz="914400" rtl="0" eaLnBrk="1" fontAlgn="auto" latinLnBrk="0" hangingPunct="1">
-                        <a:lnSpc>
-                          <a:spcPct val="100000"/>
-                        </a:lnSpc>
-                        <a:spcBef>
-                          <a:spcPts val="0"/>
-                        </a:spcBef>
-                        <a:spcAft>
-                          <a:spcPts val="0"/>
-                        </a:spcAft>
-                        <a:buClrTx/>
-                        <a:buSzTx/>
-                        <a:buFontTx/>
-                        <a:buNone/>
-                        <a:tabLst/>
-                        <a:defRPr/>
-                      </a:pPr>
-                      <a:r>
-                        <a:rPr lang="en-US" sz="1600" smtClean="0"/>
-                        <a:t>√</a:t>
-                      </a:r>
-                    </a:p>
-                  </a:txBody>
-                  <a:tcPr anchor="ctr">
-                    <a:lnL w="12700" cap="flat" cmpd="sng" algn="ctr">
-                      <a:solidFill>
-                        <a:schemeClr val="tx1"/>
-                      </a:solidFill>
-                      <a:prstDash val="solid"/>
-                      <a:round/>
-                      <a:headEnd type="none" w="med" len="med"/>
-                      <a:tailEnd type="none" w="med" len="med"/>
-                    </a:lnL>
-                    <a:lnR w="12700" cap="flat" cmpd="sng" algn="ctr">
-                      <a:solidFill>
-                        <a:schemeClr val="tx1"/>
-                      </a:solidFill>
-                      <a:prstDash val="solid"/>
-                      <a:round/>
-                      <a:headEnd type="none" w="med" len="med"/>
-                      <a:tailEnd type="none" w="med" len="med"/>
-                    </a:lnR>
-                    <a:lnT w="12700" cap="flat" cmpd="sng" algn="ctr">
-                      <a:solidFill>
-                        <a:schemeClr val="tx1"/>
-                      </a:solidFill>
-                      <a:prstDash val="solid"/>
-                      <a:round/>
-                      <a:headEnd type="none" w="med" len="med"/>
-                      <a:tailEnd type="none" w="med" len="med"/>
-                    </a:lnT>
-                    <a:lnB w="12700" cap="flat" cmpd="sng" algn="ctr">
-                      <a:solidFill>
-                        <a:schemeClr val="tx1"/>
-                      </a:solidFill>
-                      <a:prstDash val="solid"/>
-                      <a:round/>
-                      <a:headEnd type="none" w="med" len="med"/>
-                      <a:tailEnd type="none" w="med" len="med"/>
-                    </a:lnB>
-                    <a:noFill/>
-                  </a:tcPr>
-                </a:tc>
-                <a:tc>
-                  <a:txBody>
-                    <a:bodyPr/>
-                    <a:lstStyle/>
-                    <a:p>
-                      <a:pPr algn="ctr"/>
-                      <a:r>
-                        <a:rPr lang="en-US" sz="1600" smtClean="0"/>
-                        <a:t>Moderate</a:t>
-                      </a:r>
-                    </a:p>
-                  </a:txBody>
-                  <a:tcPr anchor="ctr">
-                    <a:lnL w="12700" cap="flat" cmpd="sng" algn="ctr">
-                      <a:solidFill>
-                        <a:schemeClr val="tx1"/>
-                      </a:solidFill>
-                      <a:prstDash val="solid"/>
-                      <a:round/>
-                      <a:headEnd type="none" w="med" len="med"/>
-                      <a:tailEnd type="none" w="med" len="med"/>
-                    </a:lnL>
-                    <a:lnR w="12700" cap="flat" cmpd="sng" algn="ctr">
-                      <a:solidFill>
-                        <a:schemeClr val="tx1"/>
-                      </a:solidFill>
-                      <a:prstDash val="solid"/>
-                      <a:round/>
-                      <a:headEnd type="none" w="med" len="med"/>
-                      <a:tailEnd type="none" w="med" len="med"/>
-                    </a:lnR>
-                    <a:lnT w="12700" cap="flat" cmpd="sng" algn="ctr">
-                      <a:solidFill>
-                        <a:schemeClr val="tx1"/>
-                      </a:solidFill>
-                      <a:prstDash val="solid"/>
-                      <a:round/>
-                      <a:headEnd type="none" w="med" len="med"/>
-                      <a:tailEnd type="none" w="med" len="med"/>
-                    </a:lnT>
-                    <a:lnB w="12700" cap="flat" cmpd="sng" algn="ctr">
-                      <a:solidFill>
-                        <a:schemeClr val="tx1"/>
-                      </a:solidFill>
-                      <a:prstDash val="solid"/>
-                      <a:round/>
-                      <a:headEnd type="none" w="med" len="med"/>
-                      <a:tailEnd type="none" w="med" len="med"/>
-                    </a:lnB>
-                    <a:noFill/>
-                  </a:tcPr>
-                </a:tc>
-                <a:tc>
-                  <a:txBody>
-                    <a:bodyPr/>
-                    <a:lstStyle/>
-                    <a:p>
-                      <a:pPr algn="ctr"/>
-                      <a:r>
-                        <a:rPr lang="en-US" sz="1600" smtClean="0"/>
-                        <a:t>Maybe not</a:t>
-                      </a:r>
-                    </a:p>
-                  </a:txBody>
-                  <a:tcPr anchor="ctr">
-                    <a:lnL w="12700" cap="flat" cmpd="sng" algn="ctr">
-                      <a:solidFill>
-                        <a:schemeClr val="tx1"/>
-                      </a:solidFill>
-                      <a:prstDash val="solid"/>
-                      <a:round/>
-                      <a:headEnd type="none" w="med" len="med"/>
-                      <a:tailEnd type="none" w="med" len="med"/>
-                    </a:lnL>
-                    <a:lnR w="12700" cap="flat" cmpd="sng" algn="ctr">
-                      <a:solidFill>
-                        <a:schemeClr val="tx1"/>
-                      </a:solidFill>
-                      <a:prstDash val="solid"/>
-                      <a:round/>
-                      <a:headEnd type="none" w="med" len="med"/>
-                      <a:tailEnd type="none" w="med" len="med"/>
-                    </a:lnR>
-                    <a:lnT w="12700" cap="flat" cmpd="sng" algn="ctr">
-                      <a:solidFill>
-                        <a:schemeClr val="tx1"/>
-                      </a:solidFill>
-                      <a:prstDash val="solid"/>
-                      <a:round/>
-                      <a:headEnd type="none" w="med" len="med"/>
-                      <a:tailEnd type="none" w="med" len="med"/>
-                    </a:lnT>
-                    <a:lnB w="12700" cap="flat" cmpd="sng" algn="ctr">
-                      <a:solidFill>
-                        <a:schemeClr val="tx1"/>
-                      </a:solidFill>
-                      <a:prstDash val="solid"/>
-                      <a:round/>
-                      <a:headEnd type="none" w="med" len="med"/>
-                      <a:tailEnd type="none" w="med" len="med"/>
-                    </a:lnB>
-                    <a:noFill/>
-                  </a:tcPr>
-                </a:tc>
-              </a:tr>
-              <a:tr h="370840">
-                <a:tc>
-                  <a:txBody>
-                    <a:bodyPr/>
-                    <a:lstStyle/>
-                    <a:p>
-                      <a:pPr algn="ctr"/>
-                      <a:endParaRPr lang="en-US" sz="1600"/>
-                    </a:p>
-                    <a:p>
-                      <a:pPr algn="ctr"/>
-                      <a:endParaRPr lang="en-US" sz="1600"/>
-                    </a:p>
-                  </a:txBody>
-                  <a:tcPr anchor="ctr">
-                    <a:lnL w="12700" cap="flat" cmpd="sng" algn="ctr">
-                      <a:solidFill>
-                        <a:schemeClr val="tx1"/>
-                      </a:solidFill>
-                      <a:prstDash val="solid"/>
-                      <a:round/>
-                      <a:headEnd type="none" w="med" len="med"/>
-                      <a:tailEnd type="none" w="med" len="med"/>
-                    </a:lnL>
-                    <a:lnR w="12700" cap="flat" cmpd="sng" algn="ctr">
-                      <a:solidFill>
-                        <a:schemeClr val="tx1"/>
-                      </a:solidFill>
-                      <a:prstDash val="solid"/>
-                      <a:round/>
-                      <a:headEnd type="none" w="med" len="med"/>
-                      <a:tailEnd type="none" w="med" len="med"/>
-                    </a:lnR>
-                    <a:lnT w="12700" cap="flat" cmpd="sng" algn="ctr">
-                      <a:solidFill>
-                        <a:schemeClr val="tx1"/>
-                      </a:solidFill>
-                      <a:prstDash val="solid"/>
-                      <a:round/>
-                      <a:headEnd type="none" w="med" len="med"/>
-                      <a:tailEnd type="none" w="med" len="med"/>
-                    </a:lnT>
-                    <a:lnB w="12700" cap="flat" cmpd="sng" algn="ctr">
-                      <a:solidFill>
-                        <a:schemeClr val="tx1"/>
-                      </a:solidFill>
-                      <a:prstDash val="solid"/>
-                      <a:round/>
-                      <a:headEnd type="none" w="med" len="med"/>
-                      <a:tailEnd type="none" w="med" len="med"/>
-                    </a:lnB>
-                    <a:noFill/>
-                  </a:tcPr>
-                </a:tc>
-                <a:tc>
-                  <a:txBody>
-                    <a:bodyPr/>
-                    <a:lstStyle/>
-                    <a:p>
-                      <a:pPr algn="ctr"/>
-                      <a:r>
-                        <a:rPr lang="en-US" sz="1600" smtClean="0"/>
-                        <a:t>√</a:t>
-                      </a:r>
-                    </a:p>
-                  </a:txBody>
-                  <a:tcPr anchor="ctr">
-                    <a:lnL w="12700" cap="flat" cmpd="sng" algn="ctr">
-                      <a:solidFill>
-                        <a:schemeClr val="tx1"/>
-                      </a:solidFill>
-                      <a:prstDash val="solid"/>
-                      <a:round/>
-                      <a:headEnd type="none" w="med" len="med"/>
-                      <a:tailEnd type="none" w="med" len="med"/>
-                    </a:lnL>
-                    <a:lnR w="12700" cap="flat" cmpd="sng" algn="ctr">
-                      <a:solidFill>
-                        <a:schemeClr val="tx1"/>
-                      </a:solidFill>
-                      <a:prstDash val="solid"/>
-                      <a:round/>
-                      <a:headEnd type="none" w="med" len="med"/>
-                      <a:tailEnd type="none" w="med" len="med"/>
-                    </a:lnR>
-                    <a:lnT w="12700" cap="flat" cmpd="sng" algn="ctr">
-                      <a:solidFill>
-                        <a:schemeClr val="tx1"/>
-                      </a:solidFill>
-                      <a:prstDash val="solid"/>
-                      <a:round/>
-                      <a:headEnd type="none" w="med" len="med"/>
-                      <a:tailEnd type="none" w="med" len="med"/>
-                    </a:lnT>
-                    <a:lnB w="12700" cap="flat" cmpd="sng" algn="ctr">
-                      <a:solidFill>
-                        <a:schemeClr val="tx1"/>
-                      </a:solidFill>
-                      <a:prstDash val="solid"/>
-                      <a:round/>
-                      <a:headEnd type="none" w="med" len="med"/>
-                      <a:tailEnd type="none" w="med" len="med"/>
-                    </a:lnB>
-                    <a:noFill/>
-                  </a:tcPr>
-                </a:tc>
-                <a:tc>
-                  <a:txBody>
-                    <a:bodyPr/>
-                    <a:lstStyle/>
-                    <a:p>
-                      <a:pPr algn="ctr"/>
-                      <a:r>
-                        <a:rPr lang="en-US" sz="1600" smtClean="0"/>
-                        <a:t>Trivial</a:t>
-                      </a:r>
-                    </a:p>
-                  </a:txBody>
-                  <a:tcPr anchor="ctr">
-                    <a:lnL w="12700" cap="flat" cmpd="sng" algn="ctr">
-                      <a:solidFill>
-                        <a:schemeClr val="tx1"/>
-                      </a:solidFill>
-                      <a:prstDash val="solid"/>
-                      <a:round/>
-                      <a:headEnd type="none" w="med" len="med"/>
-                      <a:tailEnd type="none" w="med" len="med"/>
-                    </a:lnL>
-                    <a:lnR w="12700" cap="flat" cmpd="sng" algn="ctr">
-                      <a:solidFill>
-                        <a:schemeClr val="tx1"/>
-                      </a:solidFill>
-                      <a:prstDash val="solid"/>
-                      <a:round/>
-                      <a:headEnd type="none" w="med" len="med"/>
-                      <a:tailEnd type="none" w="med" len="med"/>
-                    </a:lnR>
-                    <a:lnT w="12700" cap="flat" cmpd="sng" algn="ctr">
-                      <a:solidFill>
-                        <a:schemeClr val="tx1"/>
-                      </a:solidFill>
-                      <a:prstDash val="solid"/>
-                      <a:round/>
-                      <a:headEnd type="none" w="med" len="med"/>
-                      <a:tailEnd type="none" w="med" len="med"/>
-                    </a:lnT>
-                    <a:lnB w="12700" cap="flat" cmpd="sng" algn="ctr">
-                      <a:solidFill>
-                        <a:schemeClr val="tx1"/>
-                      </a:solidFill>
-                      <a:prstDash val="solid"/>
-                      <a:round/>
-                      <a:headEnd type="none" w="med" len="med"/>
-                      <a:tailEnd type="none" w="med" len="med"/>
-                    </a:lnB>
-                    <a:noFill/>
-                  </a:tcPr>
-                </a:tc>
-                <a:tc>
-                  <a:txBody>
-                    <a:bodyPr/>
-                    <a:lstStyle/>
-                    <a:p>
-                      <a:pPr algn="ctr"/>
-                      <a:r>
-                        <a:rPr lang="en-US" sz="1600" smtClean="0"/>
-                        <a:t>Weak</a:t>
-                      </a:r>
-                    </a:p>
-                  </a:txBody>
-                  <a:tcPr anchor="ctr">
-                    <a:lnL w="12700" cap="flat" cmpd="sng" algn="ctr">
-                      <a:solidFill>
-                        <a:schemeClr val="tx1"/>
-                      </a:solidFill>
-                      <a:prstDash val="solid"/>
-                      <a:round/>
-                      <a:headEnd type="none" w="med" len="med"/>
-                      <a:tailEnd type="none" w="med" len="med"/>
-                    </a:lnL>
-                    <a:lnR w="12700" cap="flat" cmpd="sng" algn="ctr">
-                      <a:solidFill>
-                        <a:schemeClr val="tx1"/>
-                      </a:solidFill>
-                      <a:prstDash val="solid"/>
-                      <a:round/>
-                      <a:headEnd type="none" w="med" len="med"/>
-                      <a:tailEnd type="none" w="med" len="med"/>
-                    </a:lnR>
-                    <a:lnT w="12700" cap="flat" cmpd="sng" algn="ctr">
-                      <a:solidFill>
-                        <a:schemeClr val="tx1"/>
-                      </a:solidFill>
-                      <a:prstDash val="solid"/>
-                      <a:round/>
-                      <a:headEnd type="none" w="med" len="med"/>
-                      <a:tailEnd type="none" w="med" len="med"/>
-                    </a:lnT>
-                    <a:lnB w="12700" cap="flat" cmpd="sng" algn="ctr">
-                      <a:solidFill>
-                        <a:schemeClr val="tx1"/>
-                      </a:solidFill>
-                      <a:prstDash val="solid"/>
-                      <a:round/>
-                      <a:headEnd type="none" w="med" len="med"/>
-                      <a:tailEnd type="none" w="med" len="med"/>
-                    </a:lnB>
-                    <a:noFill/>
-                  </a:tcPr>
-                </a:tc>
-                <a:tc>
-                  <a:txBody>
-                    <a:bodyPr/>
-                    <a:lstStyle/>
-                    <a:p>
-                      <a:pPr algn="ctr"/>
-                      <a:r>
-                        <a:rPr lang="en-US" sz="1600" smtClean="0"/>
-                        <a:t>May be not</a:t>
-                      </a:r>
-                    </a:p>
-                  </a:txBody>
-                  <a:tcPr anchor="ctr">
-                    <a:lnL w="12700" cap="flat" cmpd="sng" algn="ctr">
-                      <a:solidFill>
-                        <a:schemeClr val="tx1"/>
-                      </a:solidFill>
-                      <a:prstDash val="solid"/>
-                      <a:round/>
-                      <a:headEnd type="none" w="med" len="med"/>
-                      <a:tailEnd type="none" w="med" len="med"/>
-                    </a:lnL>
-                    <a:lnR w="12700" cap="flat" cmpd="sng" algn="ctr">
-                      <a:solidFill>
-                        <a:schemeClr val="tx1"/>
-                      </a:solidFill>
-                      <a:prstDash val="solid"/>
-                      <a:round/>
-                      <a:headEnd type="none" w="med" len="med"/>
-                      <a:tailEnd type="none" w="med" len="med"/>
-                    </a:lnR>
-                    <a:lnT w="12700" cap="flat" cmpd="sng" algn="ctr">
-                      <a:solidFill>
-                        <a:schemeClr val="tx1"/>
-                      </a:solidFill>
-                      <a:prstDash val="solid"/>
-                      <a:round/>
-                      <a:headEnd type="none" w="med" len="med"/>
-                      <a:tailEnd type="none" w="med" len="med"/>
-                    </a:lnT>
-                    <a:lnB w="12700" cap="flat" cmpd="sng" algn="ctr">
-                      <a:solidFill>
-                        <a:schemeClr val="tx1"/>
-                      </a:solidFill>
-                      <a:prstDash val="solid"/>
-                      <a:round/>
-                      <a:headEnd type="none" w="med" len="med"/>
-                      <a:tailEnd type="none" w="med" len="med"/>
-                    </a:lnB>
-                    <a:noFill/>
-                  </a:tcPr>
-                </a:tc>
-              </a:tr>
-              <a:tr h="370840">
-                <a:tc>
-                  <a:txBody>
-                    <a:bodyPr/>
-                    <a:lstStyle/>
-                    <a:p>
-                      <a:pPr marL="0" algn="ctr" defTabSz="914400" rtl="0" eaLnBrk="1" latinLnBrk="0" hangingPunct="1"/>
-                      <a:endParaRPr lang="en-US" sz="1600" kern="1200" smtClean="0">
-                        <a:solidFill>
-                          <a:schemeClr val="dk1"/>
-                        </a:solidFill>
-                        <a:latin typeface="+mn-lt"/>
-                        <a:ea typeface="+mn-ea"/>
-                        <a:cs typeface="+mn-cs"/>
-                      </a:endParaRPr>
-                    </a:p>
-                    <a:p>
-                      <a:pPr marL="0" algn="ctr" defTabSz="914400" rtl="0" eaLnBrk="1" latinLnBrk="0" hangingPunct="1"/>
-                      <a:endParaRPr lang="en-US" sz="1600" kern="1200" smtClean="0">
-                        <a:solidFill>
-                          <a:schemeClr val="dk1"/>
-                        </a:solidFill>
-                        <a:latin typeface="+mn-lt"/>
-                        <a:ea typeface="+mn-ea"/>
-                        <a:cs typeface="+mn-cs"/>
-                      </a:endParaRPr>
-                    </a:p>
-                  </a:txBody>
-                  <a:tcPr anchor="b">
-                    <a:lnL w="12700" cap="flat" cmpd="sng" algn="ctr">
-                      <a:solidFill>
-                        <a:schemeClr val="tx1"/>
-                      </a:solidFill>
-                      <a:prstDash val="solid"/>
-                      <a:round/>
-                      <a:headEnd type="none" w="med" len="med"/>
-                      <a:tailEnd type="none" w="med" len="med"/>
-                    </a:lnL>
-                    <a:lnR w="12700" cap="flat" cmpd="sng" algn="ctr">
-                      <a:solidFill>
-                        <a:schemeClr val="tx1"/>
-                      </a:solidFill>
-                      <a:prstDash val="solid"/>
-                      <a:round/>
-                      <a:headEnd type="none" w="med" len="med"/>
-                      <a:tailEnd type="none" w="med" len="med"/>
-                    </a:lnR>
-                    <a:lnT w="12700" cap="flat" cmpd="sng" algn="ctr">
-                      <a:solidFill>
-                        <a:schemeClr val="tx1"/>
-                      </a:solidFill>
-                      <a:prstDash val="solid"/>
-                      <a:round/>
-                      <a:headEnd type="none" w="med" len="med"/>
-                      <a:tailEnd type="none" w="med" len="med"/>
-                    </a:lnT>
-                    <a:lnB w="12700" cap="flat" cmpd="sng" algn="ctr">
-                      <a:solidFill>
-                        <a:schemeClr val="tx1"/>
-                      </a:solidFill>
-                      <a:prstDash val="solid"/>
-                      <a:round/>
-                      <a:headEnd type="none" w="med" len="med"/>
-                      <a:tailEnd type="none" w="med" len="med"/>
-                    </a:lnB>
-                    <a:noFill/>
-                  </a:tcPr>
-                </a:tc>
-                <a:tc>
-                  <a:txBody>
-                    <a:bodyPr/>
-                    <a:lstStyle/>
-                    <a:p>
-                      <a:pPr algn="ctr"/>
-                      <a:r>
-                        <a:rPr lang="en-US" sz="1600" smtClean="0"/>
-                        <a:t>√</a:t>
-                      </a:r>
-                    </a:p>
-                  </a:txBody>
-                  <a:tcPr anchor="ctr">
-                    <a:lnL w="12700" cap="flat" cmpd="sng" algn="ctr">
-                      <a:solidFill>
-                        <a:schemeClr val="tx1"/>
-                      </a:solidFill>
-                      <a:prstDash val="solid"/>
-                      <a:round/>
-                      <a:headEnd type="none" w="med" len="med"/>
-                      <a:tailEnd type="none" w="med" len="med"/>
-                    </a:lnL>
-                    <a:lnR w="12700" cap="flat" cmpd="sng" algn="ctr">
-                      <a:solidFill>
-                        <a:schemeClr val="tx1"/>
-                      </a:solidFill>
-                      <a:prstDash val="solid"/>
-                      <a:round/>
-                      <a:headEnd type="none" w="med" len="med"/>
-                      <a:tailEnd type="none" w="med" len="med"/>
-                    </a:lnR>
-                    <a:lnT w="12700" cap="flat" cmpd="sng" algn="ctr">
-                      <a:solidFill>
-                        <a:schemeClr val="tx1"/>
-                      </a:solidFill>
-                      <a:prstDash val="solid"/>
-                      <a:round/>
-                      <a:headEnd type="none" w="med" len="med"/>
-                      <a:tailEnd type="none" w="med" len="med"/>
-                    </a:lnT>
-                    <a:lnB w="12700" cap="flat" cmpd="sng" algn="ctr">
-                      <a:solidFill>
-                        <a:schemeClr val="tx1"/>
-                      </a:solidFill>
-                      <a:prstDash val="solid"/>
-                      <a:round/>
-                      <a:headEnd type="none" w="med" len="med"/>
-                      <a:tailEnd type="none" w="med" len="med"/>
-                    </a:lnB>
-                    <a:noFill/>
-                  </a:tcPr>
-                </a:tc>
-                <a:tc>
-                  <a:txBody>
-                    <a:bodyPr/>
-                    <a:lstStyle/>
-                    <a:p>
-                      <a:pPr algn="ctr"/>
-                      <a:r>
-                        <a:rPr lang="en-US" sz="1600" smtClean="0"/>
-                        <a:t>√</a:t>
-                      </a:r>
-                    </a:p>
-                  </a:txBody>
-                  <a:tcPr anchor="ctr">
-                    <a:lnL w="12700" cap="flat" cmpd="sng" algn="ctr">
-                      <a:solidFill>
-                        <a:schemeClr val="tx1"/>
-                      </a:solidFill>
-                      <a:prstDash val="solid"/>
-                      <a:round/>
-                      <a:headEnd type="none" w="med" len="med"/>
-                      <a:tailEnd type="none" w="med" len="med"/>
-                    </a:lnL>
-                    <a:lnR w="12700" cap="flat" cmpd="sng" algn="ctr">
-                      <a:solidFill>
-                        <a:schemeClr val="tx1"/>
-                      </a:solidFill>
-                      <a:prstDash val="solid"/>
-                      <a:round/>
-                      <a:headEnd type="none" w="med" len="med"/>
-                      <a:tailEnd type="none" w="med" len="med"/>
-                    </a:lnR>
-                    <a:lnT w="12700" cap="flat" cmpd="sng" algn="ctr">
-                      <a:solidFill>
-                        <a:schemeClr val="tx1"/>
-                      </a:solidFill>
-                      <a:prstDash val="solid"/>
-                      <a:round/>
-                      <a:headEnd type="none" w="med" len="med"/>
-                      <a:tailEnd type="none" w="med" len="med"/>
-                    </a:lnT>
-                    <a:lnB w="12700" cap="flat" cmpd="sng" algn="ctr">
-                      <a:solidFill>
-                        <a:schemeClr val="tx1"/>
-                      </a:solidFill>
-                      <a:prstDash val="solid"/>
-                      <a:round/>
-                      <a:headEnd type="none" w="med" len="med"/>
-                      <a:tailEnd type="none" w="med" len="med"/>
-                    </a:lnB>
-                    <a:noFill/>
-                  </a:tcPr>
-                </a:tc>
-                <a:tc>
-                  <a:txBody>
-                    <a:bodyPr/>
-                    <a:lstStyle/>
-                    <a:p>
-                      <a:pPr algn="ctr"/>
-                      <a:r>
-                        <a:rPr lang="en-US" sz="1600" smtClean="0"/>
-                        <a:t>Strong</a:t>
-                      </a:r>
-                    </a:p>
-                  </a:txBody>
-                  <a:tcPr anchor="ctr">
-                    <a:lnL w="12700" cap="flat" cmpd="sng" algn="ctr">
-                      <a:solidFill>
-                        <a:schemeClr val="tx1"/>
-                      </a:solidFill>
-                      <a:prstDash val="solid"/>
-                      <a:round/>
-                      <a:headEnd type="none" w="med" len="med"/>
-                      <a:tailEnd type="none" w="med" len="med"/>
-                    </a:lnL>
-                    <a:lnR w="12700" cap="flat" cmpd="sng" algn="ctr">
-                      <a:solidFill>
-                        <a:schemeClr val="tx1"/>
-                      </a:solidFill>
-                      <a:prstDash val="solid"/>
-                      <a:round/>
-                      <a:headEnd type="none" w="med" len="med"/>
-                      <a:tailEnd type="none" w="med" len="med"/>
-                    </a:lnR>
-                    <a:lnT w="12700" cap="flat" cmpd="sng" algn="ctr">
-                      <a:solidFill>
-                        <a:schemeClr val="tx1"/>
-                      </a:solidFill>
-                      <a:prstDash val="solid"/>
-                      <a:round/>
-                      <a:headEnd type="none" w="med" len="med"/>
-                      <a:tailEnd type="none" w="med" len="med"/>
-                    </a:lnT>
-                    <a:lnB w="12700" cap="flat" cmpd="sng" algn="ctr">
-                      <a:solidFill>
-                        <a:schemeClr val="tx1"/>
-                      </a:solidFill>
-                      <a:prstDash val="solid"/>
-                      <a:round/>
-                      <a:headEnd type="none" w="med" len="med"/>
-                      <a:tailEnd type="none" w="med" len="med"/>
-                    </a:lnB>
-                    <a:noFill/>
-                  </a:tcPr>
-                </a:tc>
-                <a:tc>
-                  <a:txBody>
-                    <a:bodyPr/>
-                    <a:lstStyle/>
-                    <a:p>
-                      <a:pPr algn="ctr"/>
-                      <a:r>
-                        <a:rPr lang="en-US" sz="1600" smtClean="0"/>
-                        <a:t>No</a:t>
-                      </a:r>
-                    </a:p>
-                  </a:txBody>
-                  <a:tcPr anchor="ctr">
-                    <a:lnL w="12700" cap="flat" cmpd="sng" algn="ctr">
-                      <a:solidFill>
-                        <a:schemeClr val="tx1"/>
-                      </a:solidFill>
-                      <a:prstDash val="solid"/>
-                      <a:round/>
-                      <a:headEnd type="none" w="med" len="med"/>
-                      <a:tailEnd type="none" w="med" len="med"/>
-                    </a:lnL>
-                    <a:lnR w="12700" cap="flat" cmpd="sng" algn="ctr">
-                      <a:solidFill>
-                        <a:schemeClr val="tx1"/>
-                      </a:solidFill>
-                      <a:prstDash val="solid"/>
-                      <a:round/>
-                      <a:headEnd type="none" w="med" len="med"/>
-                      <a:tailEnd type="none" w="med" len="med"/>
-                    </a:lnR>
-                    <a:lnT w="12700" cap="flat" cmpd="sng" algn="ctr">
-                      <a:solidFill>
-                        <a:schemeClr val="tx1"/>
-                      </a:solidFill>
-                      <a:prstDash val="solid"/>
-                      <a:round/>
-                      <a:headEnd type="none" w="med" len="med"/>
-                      <a:tailEnd type="none" w="med" len="med"/>
-                    </a:lnT>
-                    <a:lnB w="12700" cap="flat" cmpd="sng" algn="ctr">
-                      <a:solidFill>
-                        <a:schemeClr val="tx1"/>
-                      </a:solidFill>
-                      <a:prstDash val="solid"/>
-                      <a:round/>
-                      <a:headEnd type="none" w="med" len="med"/>
-                      <a:tailEnd type="none" w="med" len="med"/>
-                    </a:lnB>
-                    <a:noFill/>
-                  </a:tcPr>
-                </a:tc>
-              </a:tr>
-              <a:tr h="370840">
-                <a:tc>
-                  <a:txBody>
-                    <a:bodyPr/>
-                    <a:lstStyle/>
-                    <a:p>
-                      <a:pPr marL="0" algn="ctr" defTabSz="914400" rtl="0" eaLnBrk="1" latinLnBrk="0" hangingPunct="1"/>
-                      <a:endParaRPr lang="en-US" sz="1600" kern="1200" smtClean="0">
-                        <a:solidFill>
-                          <a:schemeClr val="dk1"/>
-                        </a:solidFill>
-                        <a:latin typeface="+mn-lt"/>
-                        <a:ea typeface="+mn-ea"/>
-                        <a:cs typeface="+mn-cs"/>
-                      </a:endParaRPr>
-                    </a:p>
-                    <a:p>
-                      <a:pPr marL="0" algn="ctr" defTabSz="914400" rtl="0" eaLnBrk="1" latinLnBrk="0" hangingPunct="1"/>
-                      <a:endParaRPr lang="en-US" sz="1600" kern="1200">
-                        <a:solidFill>
-                          <a:schemeClr val="dk1"/>
-                        </a:solidFill>
-                        <a:latin typeface="+mn-lt"/>
-                        <a:ea typeface="+mn-ea"/>
-                        <a:cs typeface="+mn-cs"/>
-                      </a:endParaRPr>
-                    </a:p>
-                  </a:txBody>
-                  <a:tcPr anchor="b">
-                    <a:lnL w="12700" cap="flat" cmpd="sng" algn="ctr">
-                      <a:solidFill>
-                        <a:schemeClr val="tx1"/>
-                      </a:solidFill>
-                      <a:prstDash val="solid"/>
-                      <a:round/>
-                      <a:headEnd type="none" w="med" len="med"/>
-                      <a:tailEnd type="none" w="med" len="med"/>
-                    </a:lnL>
-                    <a:lnR w="12700" cap="flat" cmpd="sng" algn="ctr">
-                      <a:solidFill>
-                        <a:schemeClr val="tx1"/>
-                      </a:solidFill>
-                      <a:prstDash val="solid"/>
-                      <a:round/>
-                      <a:headEnd type="none" w="med" len="med"/>
-                      <a:tailEnd type="none" w="med" len="med"/>
-                    </a:lnR>
-                    <a:lnT w="12700" cap="flat" cmpd="sng" algn="ctr">
-                      <a:solidFill>
-                        <a:schemeClr val="tx1"/>
-                      </a:solidFill>
-                      <a:prstDash val="solid"/>
-                      <a:round/>
-                      <a:headEnd type="none" w="med" len="med"/>
-                      <a:tailEnd type="none" w="med" len="med"/>
-                    </a:lnT>
-                    <a:lnB w="12700" cap="flat" cmpd="sng" algn="ctr">
-                      <a:solidFill>
-                        <a:schemeClr val="tx1"/>
-                      </a:solidFill>
-                      <a:prstDash val="solid"/>
-                      <a:round/>
-                      <a:headEnd type="none" w="med" len="med"/>
-                      <a:tailEnd type="none" w="med" len="med"/>
-                    </a:lnB>
-                    <a:noFill/>
-                  </a:tcPr>
-                </a:tc>
-                <a:tc>
-                  <a:txBody>
-                    <a:bodyPr/>
-                    <a:lstStyle/>
-                    <a:p>
-                      <a:pPr marL="0" marR="0" lvl="0" indent="0" algn="ctr" defTabSz="914400" rtl="0" eaLnBrk="1" fontAlgn="auto" latinLnBrk="0" hangingPunct="1">
-                        <a:lnSpc>
-                          <a:spcPct val="100000"/>
-                        </a:lnSpc>
-                        <a:spcBef>
-                          <a:spcPts val="0"/>
-                        </a:spcBef>
-                        <a:spcAft>
-                          <a:spcPts val="0"/>
-                        </a:spcAft>
-                        <a:buClrTx/>
-                        <a:buSzTx/>
-                        <a:buFontTx/>
-                        <a:buNone/>
-                        <a:tabLst/>
-                        <a:defRPr/>
-                      </a:pPr>
-                      <a:r>
-                        <a:rPr lang="en-US" sz="1600" smtClean="0"/>
-                        <a:t>×</a:t>
-                      </a:r>
-                    </a:p>
-                  </a:txBody>
-                  <a:tcPr anchor="ctr">
-                    <a:lnL w="12700" cap="flat" cmpd="sng" algn="ctr">
-                      <a:solidFill>
-                        <a:schemeClr val="tx1"/>
-                      </a:solidFill>
-                      <a:prstDash val="solid"/>
-                      <a:round/>
-                      <a:headEnd type="none" w="med" len="med"/>
-                      <a:tailEnd type="none" w="med" len="med"/>
-                    </a:lnL>
-                    <a:lnR w="12700" cap="flat" cmpd="sng" algn="ctr">
-                      <a:solidFill>
-                        <a:schemeClr val="tx1"/>
-                      </a:solidFill>
-                      <a:prstDash val="solid"/>
-                      <a:round/>
-                      <a:headEnd type="none" w="med" len="med"/>
-                      <a:tailEnd type="none" w="med" len="med"/>
-                    </a:lnR>
-                    <a:lnT w="12700" cap="flat" cmpd="sng" algn="ctr">
-                      <a:solidFill>
-                        <a:schemeClr val="tx1"/>
-                      </a:solidFill>
-                      <a:prstDash val="solid"/>
-                      <a:round/>
-                      <a:headEnd type="none" w="med" len="med"/>
-                      <a:tailEnd type="none" w="med" len="med"/>
-                    </a:lnT>
-                    <a:lnB w="12700" cap="flat" cmpd="sng" algn="ctr">
-                      <a:solidFill>
-                        <a:schemeClr val="tx1"/>
-                      </a:solidFill>
-                      <a:prstDash val="solid"/>
-                      <a:round/>
-                      <a:headEnd type="none" w="med" len="med"/>
-                      <a:tailEnd type="none" w="med" len="med"/>
-                    </a:lnB>
-                    <a:noFill/>
-                  </a:tcPr>
-                </a:tc>
-                <a:tc>
-                  <a:txBody>
-                    <a:bodyPr/>
-                    <a:lstStyle/>
-                    <a:p>
-                      <a:pPr algn="ctr"/>
-                      <a:r>
-                        <a:rPr lang="en-US" sz="1600" smtClean="0"/>
-                        <a:t>Inconclusive</a:t>
-                      </a:r>
-                      <a:endParaRPr lang="en-US" sz="1600"/>
-                    </a:p>
-                  </a:txBody>
-                  <a:tcPr anchor="ctr">
-                    <a:lnL w="12700" cap="flat" cmpd="sng" algn="ctr">
-                      <a:solidFill>
-                        <a:schemeClr val="tx1"/>
-                      </a:solidFill>
-                      <a:prstDash val="solid"/>
-                      <a:round/>
-                      <a:headEnd type="none" w="med" len="med"/>
-                      <a:tailEnd type="none" w="med" len="med"/>
-                    </a:lnL>
-                    <a:lnR w="12700" cap="flat" cmpd="sng" algn="ctr">
-                      <a:solidFill>
-                        <a:schemeClr val="tx1"/>
-                      </a:solidFill>
-                      <a:prstDash val="solid"/>
-                      <a:round/>
-                      <a:headEnd type="none" w="med" len="med"/>
-                      <a:tailEnd type="none" w="med" len="med"/>
-                    </a:lnR>
-                    <a:lnT w="12700" cap="flat" cmpd="sng" algn="ctr">
-                      <a:solidFill>
-                        <a:schemeClr val="tx1"/>
-                      </a:solidFill>
-                      <a:prstDash val="solid"/>
-                      <a:round/>
-                      <a:headEnd type="none" w="med" len="med"/>
-                      <a:tailEnd type="none" w="med" len="med"/>
-                    </a:lnT>
-                    <a:lnB w="12700" cap="flat" cmpd="sng" algn="ctr">
-                      <a:solidFill>
-                        <a:schemeClr val="tx1"/>
-                      </a:solidFill>
-                      <a:prstDash val="solid"/>
-                      <a:round/>
-                      <a:headEnd type="none" w="med" len="med"/>
-                      <a:tailEnd type="none" w="med" len="med"/>
-                    </a:lnB>
-                    <a:noFill/>
-                  </a:tcPr>
-                </a:tc>
-                <a:tc>
-                  <a:txBody>
-                    <a:bodyPr/>
-                    <a:lstStyle/>
-                    <a:p>
-                      <a:pPr algn="ctr"/>
-                      <a:r>
-                        <a:rPr lang="en-US" sz="1600" smtClean="0"/>
-                        <a:t>Unsure</a:t>
-                      </a:r>
-                    </a:p>
-                  </a:txBody>
-                  <a:tcPr anchor="ctr">
-                    <a:lnL w="12700" cap="flat" cmpd="sng" algn="ctr">
-                      <a:solidFill>
-                        <a:schemeClr val="tx1"/>
-                      </a:solidFill>
-                      <a:prstDash val="solid"/>
-                      <a:round/>
-                      <a:headEnd type="none" w="med" len="med"/>
-                      <a:tailEnd type="none" w="med" len="med"/>
-                    </a:lnL>
-                    <a:lnR w="12700" cap="flat" cmpd="sng" algn="ctr">
-                      <a:solidFill>
-                        <a:schemeClr val="tx1"/>
-                      </a:solidFill>
-                      <a:prstDash val="solid"/>
-                      <a:round/>
-                      <a:headEnd type="none" w="med" len="med"/>
-                      <a:tailEnd type="none" w="med" len="med"/>
-                    </a:lnR>
-                    <a:lnT w="12700" cap="flat" cmpd="sng" algn="ctr">
-                      <a:solidFill>
-                        <a:schemeClr val="tx1"/>
-                      </a:solidFill>
-                      <a:prstDash val="solid"/>
-                      <a:round/>
-                      <a:headEnd type="none" w="med" len="med"/>
-                      <a:tailEnd type="none" w="med" len="med"/>
-                    </a:lnT>
-                    <a:lnB w="12700" cap="flat" cmpd="sng" algn="ctr">
-                      <a:solidFill>
-                        <a:schemeClr val="tx1"/>
-                      </a:solidFill>
-                      <a:prstDash val="solid"/>
-                      <a:round/>
-                      <a:headEnd type="none" w="med" len="med"/>
-                      <a:tailEnd type="none" w="med" len="med"/>
-                    </a:lnB>
-                    <a:noFill/>
-                  </a:tcPr>
-                </a:tc>
-                <a:tc>
-                  <a:txBody>
-                    <a:bodyPr/>
-                    <a:lstStyle/>
-                    <a:p>
-                      <a:pPr algn="ctr"/>
-                      <a:r>
-                        <a:rPr lang="en-US" sz="1600" smtClean="0"/>
-                        <a:t>Yes, a lot more</a:t>
-                      </a:r>
-                    </a:p>
-                  </a:txBody>
-                  <a:tcPr anchor="ctr">
-                    <a:lnL w="12700" cap="flat" cmpd="sng" algn="ctr">
-                      <a:solidFill>
-                        <a:schemeClr val="tx1"/>
-                      </a:solidFill>
-                      <a:prstDash val="solid"/>
-                      <a:round/>
-                      <a:headEnd type="none" w="med" len="med"/>
-                      <a:tailEnd type="none" w="med" len="med"/>
-                    </a:lnL>
-                    <a:lnR w="12700" cap="flat" cmpd="sng" algn="ctr">
-                      <a:solidFill>
-                        <a:schemeClr val="tx1"/>
-                      </a:solidFill>
-                      <a:prstDash val="solid"/>
-                      <a:round/>
-                      <a:headEnd type="none" w="med" len="med"/>
-                      <a:tailEnd type="none" w="med" len="med"/>
-                    </a:lnR>
-                    <a:lnT w="12700" cap="flat" cmpd="sng" algn="ctr">
-                      <a:solidFill>
-                        <a:schemeClr val="tx1"/>
-                      </a:solidFill>
-                      <a:prstDash val="solid"/>
-                      <a:round/>
-                      <a:headEnd type="none" w="med" len="med"/>
-                      <a:tailEnd type="none" w="med" len="med"/>
-                    </a:lnT>
-                    <a:lnB w="12700" cap="flat" cmpd="sng" algn="ctr">
-                      <a:solidFill>
-                        <a:schemeClr val="tx1"/>
-                      </a:solidFill>
-                      <a:prstDash val="solid"/>
-                      <a:round/>
-                      <a:headEnd type="none" w="med" len="med"/>
-                      <a:tailEnd type="none" w="med" len="med"/>
-                    </a:lnB>
-                    <a:noFill/>
-                  </a:tcPr>
-                </a:tc>
-              </a:tr>
-            </a:tbl>
-          </a:graphicData>
-        </a:graphic>
-      </p:graphicFrame>
-      <p:grpSp>
-        <p:nvGrpSpPr>
-          <p:cNvPr id="48" name="Group 47"/>
-          <p:cNvGrpSpPr/>
-          <p:nvPr/>
-        </p:nvGrpSpPr>
-        <p:grpSpPr>
-          <a:xfrm>
-            <a:off x="2183798" y="1631919"/>
-            <a:ext cx="2137482" cy="256265"/>
-            <a:chOff x="2411223" y="1675293"/>
-            <a:chExt cx="2137482" cy="256265"/>
-          </a:xfrm>
-        </p:grpSpPr>
-        <p:grpSp>
-          <p:nvGrpSpPr>
-            <p:cNvPr id="14" name="Group 13"/>
-            <p:cNvGrpSpPr/>
-            <p:nvPr/>
-          </p:nvGrpSpPr>
-          <p:grpSpPr>
-            <a:xfrm>
-              <a:off x="2411223" y="1675293"/>
-              <a:ext cx="2137482" cy="256265"/>
-              <a:chOff x="582421" y="1048356"/>
-              <a:chExt cx="2137482" cy="256265"/>
-            </a:xfrm>
-          </p:grpSpPr>
-          <p:sp>
-            <p:nvSpPr>
-              <p:cNvPr id="4" name="Rectangle 3"/>
-              <p:cNvSpPr/>
-              <p:nvPr/>
-            </p:nvSpPr>
-            <p:spPr>
-              <a:xfrm>
-                <a:off x="582421" y="1048356"/>
-                <a:ext cx="2137482" cy="256265"/>
-              </a:xfrm>
-              <a:prstGeom prst="rect">
-                <a:avLst/>
-              </a:prstGeom>
-            </p:spPr>
-            <p:style>
-              <a:lnRef idx="2">
-                <a:schemeClr val="accent6">
-                  <a:shade val="50000"/>
-                </a:schemeClr>
-              </a:lnRef>
-              <a:fillRef idx="1">
-                <a:schemeClr val="accent6"/>
-              </a:fillRef>
-              <a:effectRef idx="0">
-                <a:schemeClr val="accent6"/>
-              </a:effectRef>
-              <a:fontRef idx="minor">
-                <a:schemeClr val="lt1"/>
-              </a:fontRef>
-            </p:style>
-            <p:txBody>
-              <a:bodyPr rtlCol="0" anchor="ctr"/>
-              <a:lstStyle/>
-              <a:p>
-                <a:pPr algn="ctr"/>
-                <a:endParaRPr lang="en-US" sz="1600">
-                  <a:latin typeface="Arial" panose="020B0604020202020204" pitchFamily="34" charset="0"/>
-                  <a:cs typeface="Arial" panose="020B0604020202020204" pitchFamily="34" charset="0"/>
-                </a:endParaRPr>
-              </a:p>
-            </p:txBody>
-          </p:sp>
-          <p:cxnSp>
-            <p:nvCxnSpPr>
-              <p:cNvPr id="6" name="Straight Connector 5"/>
-              <p:cNvCxnSpPr>
-                <a:stCxn id="4" idx="0"/>
-                <a:endCxn id="4" idx="2"/>
-              </p:cNvCxnSpPr>
-              <p:nvPr/>
-            </p:nvCxnSpPr>
-            <p:spPr>
-              <a:xfrm>
-                <a:off x="1651162" y="1048356"/>
-                <a:ext cx="0" cy="256265"/>
-              </a:xfrm>
-              <a:prstGeom prst="line">
-                <a:avLst/>
-              </a:prstGeom>
-              <a:ln w="28575">
-                <a:solidFill>
-                  <a:srgbClr val="FF0000"/>
-                </a:solidFill>
-              </a:ln>
-            </p:spPr>
-            <p:style>
-              <a:lnRef idx="1">
-                <a:schemeClr val="accent1"/>
-              </a:lnRef>
-              <a:fillRef idx="0">
-                <a:schemeClr val="accent1"/>
-              </a:fillRef>
-              <a:effectRef idx="0">
-                <a:schemeClr val="accent1"/>
-              </a:effectRef>
-              <a:fontRef idx="minor">
-                <a:schemeClr val="tx1"/>
-              </a:fontRef>
-            </p:style>
-          </p:cxnSp>
-        </p:grpSp>
-        <p:cxnSp>
-          <p:nvCxnSpPr>
-            <p:cNvPr id="31" name="Straight Arrow Connector 30"/>
-            <p:cNvCxnSpPr/>
-            <p:nvPr/>
-          </p:nvCxnSpPr>
-          <p:spPr>
-            <a:xfrm>
-              <a:off x="3025676" y="1803425"/>
-              <a:ext cx="908575" cy="0"/>
-            </a:xfrm>
-            <a:prstGeom prst="straightConnector1">
-              <a:avLst/>
-            </a:prstGeom>
-            <a:ln w="28575">
-              <a:solidFill>
-                <a:schemeClr val="tx1"/>
-              </a:solidFill>
-              <a:headEnd type="triangle"/>
-              <a:tailEnd type="triangle"/>
-            </a:ln>
-          </p:spPr>
-          <p:style>
-            <a:lnRef idx="1">
-              <a:schemeClr val="accent1"/>
-            </a:lnRef>
-            <a:fillRef idx="0">
-              <a:schemeClr val="accent1"/>
-            </a:fillRef>
-            <a:effectRef idx="0">
-              <a:schemeClr val="accent1"/>
-            </a:effectRef>
-            <a:fontRef idx="minor">
-              <a:schemeClr val="tx1"/>
-            </a:fontRef>
-          </p:style>
-        </p:cxnSp>
-      </p:grpSp>
-      <p:grpSp>
-        <p:nvGrpSpPr>
-          <p:cNvPr id="49" name="Group 48"/>
-          <p:cNvGrpSpPr/>
-          <p:nvPr/>
-        </p:nvGrpSpPr>
-        <p:grpSpPr>
-          <a:xfrm>
-            <a:off x="1760818" y="2213443"/>
-            <a:ext cx="2858224" cy="256265"/>
-            <a:chOff x="1999160" y="2568013"/>
-            <a:chExt cx="2858224" cy="256265"/>
-          </a:xfrm>
-        </p:grpSpPr>
-        <p:grpSp>
-          <p:nvGrpSpPr>
-            <p:cNvPr id="15" name="Group 14"/>
-            <p:cNvGrpSpPr/>
-            <p:nvPr/>
-          </p:nvGrpSpPr>
-          <p:grpSpPr>
-            <a:xfrm>
-              <a:off x="2411223" y="2568013"/>
-              <a:ext cx="2137482" cy="256265"/>
-              <a:chOff x="582421" y="1048356"/>
-              <a:chExt cx="2137482" cy="256265"/>
-            </a:xfrm>
-          </p:grpSpPr>
-          <p:sp>
-            <p:nvSpPr>
-              <p:cNvPr id="16" name="Rectangle 15"/>
-              <p:cNvSpPr/>
-              <p:nvPr/>
-            </p:nvSpPr>
-            <p:spPr>
-              <a:xfrm>
-                <a:off x="582421" y="1048356"/>
-                <a:ext cx="2137482" cy="256265"/>
-              </a:xfrm>
-              <a:prstGeom prst="rect">
-                <a:avLst/>
-              </a:prstGeom>
-            </p:spPr>
-            <p:style>
-              <a:lnRef idx="2">
-                <a:schemeClr val="accent6">
-                  <a:shade val="50000"/>
-                </a:schemeClr>
-              </a:lnRef>
-              <a:fillRef idx="1">
-                <a:schemeClr val="accent6"/>
-              </a:fillRef>
-              <a:effectRef idx="0">
-                <a:schemeClr val="accent6"/>
-              </a:effectRef>
-              <a:fontRef idx="minor">
-                <a:schemeClr val="lt1"/>
-              </a:fontRef>
-            </p:style>
-            <p:txBody>
-              <a:bodyPr rtlCol="0" anchor="ctr"/>
-              <a:lstStyle/>
-              <a:p>
-                <a:pPr algn="ctr"/>
-                <a:endParaRPr lang="en-US" sz="1600">
-                  <a:latin typeface="Arial" panose="020B0604020202020204" pitchFamily="34" charset="0"/>
-                  <a:cs typeface="Arial" panose="020B0604020202020204" pitchFamily="34" charset="0"/>
-                </a:endParaRPr>
-              </a:p>
-            </p:txBody>
-          </p:sp>
-          <p:cxnSp>
-            <p:nvCxnSpPr>
-              <p:cNvPr id="17" name="Straight Connector 16"/>
-              <p:cNvCxnSpPr>
-                <a:stCxn id="16" idx="0"/>
-                <a:endCxn id="16" idx="2"/>
-              </p:cNvCxnSpPr>
-              <p:nvPr/>
-            </p:nvCxnSpPr>
-            <p:spPr>
-              <a:xfrm>
-                <a:off x="1651162" y="1048356"/>
-                <a:ext cx="0" cy="256265"/>
-              </a:xfrm>
-              <a:prstGeom prst="line">
-                <a:avLst/>
-              </a:prstGeom>
-              <a:ln w="28575">
-                <a:solidFill>
-                  <a:srgbClr val="FF0000"/>
-                </a:solidFill>
-              </a:ln>
-            </p:spPr>
-            <p:style>
-              <a:lnRef idx="1">
-                <a:schemeClr val="accent1"/>
-              </a:lnRef>
-              <a:fillRef idx="0">
-                <a:schemeClr val="accent1"/>
-              </a:fillRef>
-              <a:effectRef idx="0">
-                <a:schemeClr val="accent1"/>
-              </a:effectRef>
-              <a:fontRef idx="minor">
-                <a:schemeClr val="tx1"/>
-              </a:fontRef>
-            </p:style>
-          </p:cxnSp>
-        </p:grpSp>
-        <p:cxnSp>
-          <p:nvCxnSpPr>
-            <p:cNvPr id="32" name="Straight Arrow Connector 31"/>
-            <p:cNvCxnSpPr/>
-            <p:nvPr/>
-          </p:nvCxnSpPr>
-          <p:spPr>
-            <a:xfrm>
-              <a:off x="3214960" y="2643598"/>
-              <a:ext cx="1642424" cy="0"/>
-            </a:xfrm>
-            <a:prstGeom prst="straightConnector1">
-              <a:avLst/>
-            </a:prstGeom>
-            <a:ln w="28575">
-              <a:solidFill>
-                <a:schemeClr val="tx1"/>
-              </a:solidFill>
-              <a:headEnd type="triangle"/>
-              <a:tailEnd type="triangle"/>
-            </a:ln>
-          </p:spPr>
-          <p:style>
-            <a:lnRef idx="1">
-              <a:schemeClr val="accent1"/>
-            </a:lnRef>
-            <a:fillRef idx="0">
-              <a:schemeClr val="accent1"/>
-            </a:fillRef>
-            <a:effectRef idx="0">
-              <a:schemeClr val="accent1"/>
-            </a:effectRef>
-            <a:fontRef idx="minor">
-              <a:schemeClr val="tx1"/>
-            </a:fontRef>
-          </p:style>
-        </p:cxnSp>
-        <p:cxnSp>
-          <p:nvCxnSpPr>
-            <p:cNvPr id="45" name="Straight Arrow Connector 44"/>
-            <p:cNvCxnSpPr/>
-            <p:nvPr/>
-          </p:nvCxnSpPr>
-          <p:spPr>
-            <a:xfrm>
-              <a:off x="1999160" y="2766877"/>
-              <a:ext cx="1642424" cy="0"/>
-            </a:xfrm>
-            <a:prstGeom prst="straightConnector1">
-              <a:avLst/>
-            </a:prstGeom>
-            <a:ln w="28575">
-              <a:solidFill>
-                <a:schemeClr val="tx1"/>
-              </a:solidFill>
-              <a:headEnd type="triangle"/>
-              <a:tailEnd type="triangle"/>
-            </a:ln>
-          </p:spPr>
-          <p:style>
-            <a:lnRef idx="1">
-              <a:schemeClr val="accent1"/>
-            </a:lnRef>
-            <a:fillRef idx="0">
-              <a:schemeClr val="accent1"/>
-            </a:fillRef>
-            <a:effectRef idx="0">
-              <a:schemeClr val="accent1"/>
-            </a:effectRef>
-            <a:fontRef idx="minor">
-              <a:schemeClr val="tx1"/>
-            </a:fontRef>
-          </p:style>
-        </p:cxnSp>
-      </p:grpSp>
-      <p:grpSp>
-        <p:nvGrpSpPr>
-          <p:cNvPr id="50" name="Group 49"/>
-          <p:cNvGrpSpPr/>
-          <p:nvPr/>
-        </p:nvGrpSpPr>
-        <p:grpSpPr>
-          <a:xfrm>
-            <a:off x="2157594" y="3417346"/>
-            <a:ext cx="2137482" cy="256265"/>
-            <a:chOff x="2411223" y="3460733"/>
-            <a:chExt cx="2137482" cy="256265"/>
-          </a:xfrm>
-        </p:grpSpPr>
-        <p:grpSp>
-          <p:nvGrpSpPr>
-            <p:cNvPr id="19" name="Group 18"/>
-            <p:cNvGrpSpPr/>
-            <p:nvPr/>
-          </p:nvGrpSpPr>
-          <p:grpSpPr>
-            <a:xfrm>
-              <a:off x="2411223" y="3460733"/>
-              <a:ext cx="2137482" cy="256265"/>
-              <a:chOff x="582421" y="1048356"/>
-              <a:chExt cx="2137482" cy="256265"/>
-            </a:xfrm>
-          </p:grpSpPr>
-          <p:sp>
-            <p:nvSpPr>
-              <p:cNvPr id="20" name="Rectangle 19"/>
-              <p:cNvSpPr/>
-              <p:nvPr/>
-            </p:nvSpPr>
-            <p:spPr>
-              <a:xfrm>
-                <a:off x="582421" y="1048356"/>
-                <a:ext cx="2137482" cy="256265"/>
-              </a:xfrm>
-              <a:prstGeom prst="rect">
-                <a:avLst/>
-              </a:prstGeom>
-            </p:spPr>
-            <p:style>
-              <a:lnRef idx="2">
-                <a:schemeClr val="accent6">
-                  <a:shade val="50000"/>
-                </a:schemeClr>
-              </a:lnRef>
-              <a:fillRef idx="1">
-                <a:schemeClr val="accent6"/>
-              </a:fillRef>
-              <a:effectRef idx="0">
-                <a:schemeClr val="accent6"/>
-              </a:effectRef>
-              <a:fontRef idx="minor">
-                <a:schemeClr val="lt1"/>
-              </a:fontRef>
-            </p:style>
-            <p:txBody>
-              <a:bodyPr rtlCol="0" anchor="ctr"/>
-              <a:lstStyle/>
-              <a:p>
-                <a:pPr algn="ctr"/>
-                <a:endParaRPr lang="en-US" sz="1600">
-                  <a:latin typeface="Arial" panose="020B0604020202020204" pitchFamily="34" charset="0"/>
-                  <a:cs typeface="Arial" panose="020B0604020202020204" pitchFamily="34" charset="0"/>
-                </a:endParaRPr>
-              </a:p>
-            </p:txBody>
-          </p:sp>
-          <p:cxnSp>
-            <p:nvCxnSpPr>
-              <p:cNvPr id="21" name="Straight Connector 20"/>
-              <p:cNvCxnSpPr>
-                <a:stCxn id="20" idx="0"/>
-                <a:endCxn id="20" idx="2"/>
-              </p:cNvCxnSpPr>
-              <p:nvPr/>
-            </p:nvCxnSpPr>
-            <p:spPr>
-              <a:xfrm>
-                <a:off x="1651162" y="1048356"/>
-                <a:ext cx="0" cy="256265"/>
-              </a:xfrm>
-              <a:prstGeom prst="line">
-                <a:avLst/>
-              </a:prstGeom>
-              <a:ln w="28575">
-                <a:solidFill>
-                  <a:srgbClr val="FF0000"/>
-                </a:solidFill>
-              </a:ln>
-            </p:spPr>
-            <p:style>
-              <a:lnRef idx="1">
-                <a:schemeClr val="accent1"/>
-              </a:lnRef>
-              <a:fillRef idx="0">
-                <a:schemeClr val="accent1"/>
-              </a:fillRef>
-              <a:effectRef idx="0">
-                <a:schemeClr val="accent1"/>
-              </a:effectRef>
-              <a:fontRef idx="minor">
-                <a:schemeClr val="tx1"/>
-              </a:fontRef>
-            </p:style>
-          </p:cxnSp>
-        </p:grpSp>
-        <p:cxnSp>
-          <p:nvCxnSpPr>
-            <p:cNvPr id="35" name="Straight Arrow Connector 34"/>
-            <p:cNvCxnSpPr/>
-            <p:nvPr/>
-          </p:nvCxnSpPr>
-          <p:spPr>
-            <a:xfrm>
-              <a:off x="2545177" y="3588865"/>
-              <a:ext cx="704728" cy="0"/>
-            </a:xfrm>
-            <a:prstGeom prst="straightConnector1">
-              <a:avLst/>
-            </a:prstGeom>
-            <a:ln w="28575">
-              <a:solidFill>
-                <a:schemeClr val="tx1"/>
-              </a:solidFill>
-              <a:headEnd type="triangle"/>
-              <a:tailEnd type="triangle"/>
-            </a:ln>
-          </p:spPr>
-          <p:style>
-            <a:lnRef idx="1">
-              <a:schemeClr val="accent1"/>
-            </a:lnRef>
-            <a:fillRef idx="0">
-              <a:schemeClr val="accent1"/>
-            </a:fillRef>
-            <a:effectRef idx="0">
-              <a:schemeClr val="accent1"/>
-            </a:effectRef>
-            <a:fontRef idx="minor">
-              <a:schemeClr val="tx1"/>
-            </a:fontRef>
-          </p:style>
-        </p:cxnSp>
-        <p:cxnSp>
-          <p:nvCxnSpPr>
-            <p:cNvPr id="46" name="Straight Arrow Connector 45"/>
-            <p:cNvCxnSpPr/>
-            <p:nvPr/>
-          </p:nvCxnSpPr>
-          <p:spPr>
-            <a:xfrm>
-              <a:off x="3701284" y="3588865"/>
-              <a:ext cx="704728" cy="0"/>
-            </a:xfrm>
-            <a:prstGeom prst="straightConnector1">
-              <a:avLst/>
-            </a:prstGeom>
-            <a:ln w="28575">
-              <a:solidFill>
-                <a:schemeClr val="tx1"/>
-              </a:solidFill>
-              <a:headEnd type="triangle"/>
-              <a:tailEnd type="triangle"/>
-            </a:ln>
-          </p:spPr>
-          <p:style>
-            <a:lnRef idx="1">
-              <a:schemeClr val="accent1"/>
-            </a:lnRef>
-            <a:fillRef idx="0">
-              <a:schemeClr val="accent1"/>
-            </a:fillRef>
-            <a:effectRef idx="0">
-              <a:schemeClr val="accent1"/>
-            </a:effectRef>
-            <a:fontRef idx="minor">
-              <a:schemeClr val="tx1"/>
-            </a:fontRef>
-          </p:style>
-        </p:cxnSp>
-      </p:grpSp>
-      <p:grpSp>
-        <p:nvGrpSpPr>
-          <p:cNvPr id="60" name="Group 59"/>
-          <p:cNvGrpSpPr/>
-          <p:nvPr/>
-        </p:nvGrpSpPr>
-        <p:grpSpPr>
-          <a:xfrm>
-            <a:off x="1405768" y="3999357"/>
-            <a:ext cx="3481880" cy="256265"/>
-            <a:chOff x="1689660" y="5119323"/>
-            <a:chExt cx="3481880" cy="256265"/>
-          </a:xfrm>
-        </p:grpSpPr>
-        <p:grpSp>
-          <p:nvGrpSpPr>
-            <p:cNvPr id="23" name="Group 22"/>
-            <p:cNvGrpSpPr/>
-            <p:nvPr/>
-          </p:nvGrpSpPr>
-          <p:grpSpPr>
-            <a:xfrm>
-              <a:off x="2451993" y="5119323"/>
-              <a:ext cx="2137482" cy="256265"/>
-              <a:chOff x="582421" y="1048356"/>
-              <a:chExt cx="2137482" cy="256265"/>
-            </a:xfrm>
-          </p:grpSpPr>
-          <p:sp>
-            <p:nvSpPr>
-              <p:cNvPr id="24" name="Rectangle 23"/>
-              <p:cNvSpPr/>
-              <p:nvPr/>
-            </p:nvSpPr>
-            <p:spPr>
-              <a:xfrm>
-                <a:off x="582421" y="1048356"/>
-                <a:ext cx="2137482" cy="256265"/>
-              </a:xfrm>
-              <a:prstGeom prst="rect">
-                <a:avLst/>
-              </a:prstGeom>
-            </p:spPr>
-            <p:style>
-              <a:lnRef idx="2">
-                <a:schemeClr val="accent6">
-                  <a:shade val="50000"/>
-                </a:schemeClr>
-              </a:lnRef>
-              <a:fillRef idx="1">
-                <a:schemeClr val="accent6"/>
-              </a:fillRef>
-              <a:effectRef idx="0">
-                <a:schemeClr val="accent6"/>
-              </a:effectRef>
-              <a:fontRef idx="minor">
-                <a:schemeClr val="lt1"/>
-              </a:fontRef>
-            </p:style>
-            <p:txBody>
-              <a:bodyPr rtlCol="0" anchor="ctr"/>
-              <a:lstStyle/>
-              <a:p>
-                <a:pPr algn="ctr"/>
-                <a:endParaRPr lang="en-US" sz="1600">
-                  <a:latin typeface="Arial" panose="020B0604020202020204" pitchFamily="34" charset="0"/>
-                  <a:cs typeface="Arial" panose="020B0604020202020204" pitchFamily="34" charset="0"/>
-                </a:endParaRPr>
-              </a:p>
-            </p:txBody>
-          </p:sp>
-          <p:cxnSp>
-            <p:nvCxnSpPr>
-              <p:cNvPr id="25" name="Straight Connector 24"/>
-              <p:cNvCxnSpPr>
-                <a:stCxn id="24" idx="0"/>
-                <a:endCxn id="24" idx="2"/>
-              </p:cNvCxnSpPr>
-              <p:nvPr/>
-            </p:nvCxnSpPr>
-            <p:spPr>
-              <a:xfrm>
-                <a:off x="1651162" y="1048356"/>
-                <a:ext cx="0" cy="256265"/>
-              </a:xfrm>
-              <a:prstGeom prst="line">
-                <a:avLst/>
-              </a:prstGeom>
-              <a:ln w="28575">
-                <a:solidFill>
-                  <a:srgbClr val="FF0000"/>
-                </a:solidFill>
-              </a:ln>
-            </p:spPr>
-            <p:style>
-              <a:lnRef idx="1">
-                <a:schemeClr val="accent1"/>
-              </a:lnRef>
-              <a:fillRef idx="0">
-                <a:schemeClr val="accent1"/>
-              </a:fillRef>
-              <a:effectRef idx="0">
-                <a:schemeClr val="accent1"/>
-              </a:effectRef>
-              <a:fontRef idx="minor">
-                <a:schemeClr val="tx1"/>
-              </a:fontRef>
-            </p:style>
-          </p:cxnSp>
-        </p:grpSp>
-        <p:cxnSp>
-          <p:nvCxnSpPr>
-            <p:cNvPr id="37" name="Straight Arrow Connector 36"/>
-            <p:cNvCxnSpPr/>
-            <p:nvPr/>
-          </p:nvCxnSpPr>
-          <p:spPr>
-            <a:xfrm>
-              <a:off x="4629199" y="5247455"/>
-              <a:ext cx="542341" cy="0"/>
-            </a:xfrm>
-            <a:prstGeom prst="straightConnector1">
-              <a:avLst/>
-            </a:prstGeom>
-            <a:ln w="28575">
-              <a:solidFill>
-                <a:schemeClr val="tx1"/>
-              </a:solidFill>
-              <a:headEnd type="triangle"/>
-              <a:tailEnd type="triangle"/>
-            </a:ln>
-          </p:spPr>
-          <p:style>
-            <a:lnRef idx="1">
-              <a:schemeClr val="accent1"/>
-            </a:lnRef>
-            <a:fillRef idx="0">
-              <a:schemeClr val="accent1"/>
-            </a:fillRef>
-            <a:effectRef idx="0">
-              <a:schemeClr val="accent1"/>
-            </a:effectRef>
-            <a:fontRef idx="minor">
-              <a:schemeClr val="tx1"/>
-            </a:fontRef>
-          </p:style>
-        </p:cxnSp>
-        <p:cxnSp>
-          <p:nvCxnSpPr>
-            <p:cNvPr id="47" name="Straight Arrow Connector 46"/>
-            <p:cNvCxnSpPr/>
-            <p:nvPr/>
-          </p:nvCxnSpPr>
-          <p:spPr>
-            <a:xfrm>
-              <a:off x="1689660" y="5247874"/>
-              <a:ext cx="704728" cy="0"/>
-            </a:xfrm>
-            <a:prstGeom prst="straightConnector1">
-              <a:avLst/>
-            </a:prstGeom>
-            <a:ln w="28575">
-              <a:solidFill>
-                <a:schemeClr val="tx1"/>
-              </a:solidFill>
-              <a:headEnd type="triangle"/>
-              <a:tailEnd type="triangle"/>
-            </a:ln>
-          </p:spPr>
-          <p:style>
-            <a:lnRef idx="1">
-              <a:schemeClr val="accent1"/>
-            </a:lnRef>
-            <a:fillRef idx="0">
-              <a:schemeClr val="accent1"/>
-            </a:fillRef>
-            <a:effectRef idx="0">
-              <a:schemeClr val="accent1"/>
-            </a:effectRef>
-            <a:fontRef idx="minor">
-              <a:schemeClr val="tx1"/>
-            </a:fontRef>
-          </p:style>
-        </p:cxnSp>
-      </p:grpSp>
-      <p:grpSp>
-        <p:nvGrpSpPr>
-          <p:cNvPr id="62" name="Group 61"/>
-          <p:cNvGrpSpPr/>
-          <p:nvPr/>
-        </p:nvGrpSpPr>
-        <p:grpSpPr>
-          <a:xfrm>
-            <a:off x="1776105" y="2842434"/>
-            <a:ext cx="2827650" cy="256265"/>
-            <a:chOff x="3443280" y="2857838"/>
-            <a:chExt cx="2827650" cy="256265"/>
-          </a:xfrm>
-        </p:grpSpPr>
-        <p:grpSp>
-          <p:nvGrpSpPr>
-            <p:cNvPr id="52" name="Group 51"/>
-            <p:cNvGrpSpPr/>
-            <p:nvPr/>
-          </p:nvGrpSpPr>
-          <p:grpSpPr>
-            <a:xfrm>
-              <a:off x="3824769" y="2857838"/>
-              <a:ext cx="2137482" cy="256265"/>
-              <a:chOff x="582421" y="1048356"/>
-              <a:chExt cx="2137482" cy="256265"/>
-            </a:xfrm>
-          </p:grpSpPr>
-          <p:sp>
-            <p:nvSpPr>
-              <p:cNvPr id="55" name="Rectangle 54"/>
-              <p:cNvSpPr/>
-              <p:nvPr/>
-            </p:nvSpPr>
-            <p:spPr>
-              <a:xfrm>
-                <a:off x="582421" y="1048356"/>
-                <a:ext cx="2137482" cy="256265"/>
-              </a:xfrm>
-              <a:prstGeom prst="rect">
-                <a:avLst/>
-              </a:prstGeom>
-            </p:spPr>
-            <p:style>
-              <a:lnRef idx="2">
-                <a:schemeClr val="accent6">
-                  <a:shade val="50000"/>
-                </a:schemeClr>
-              </a:lnRef>
-              <a:fillRef idx="1">
-                <a:schemeClr val="accent6"/>
-              </a:fillRef>
-              <a:effectRef idx="0">
-                <a:schemeClr val="accent6"/>
-              </a:effectRef>
-              <a:fontRef idx="minor">
-                <a:schemeClr val="lt1"/>
-              </a:fontRef>
-            </p:style>
-            <p:txBody>
-              <a:bodyPr rtlCol="0" anchor="ctr"/>
-              <a:lstStyle/>
-              <a:p>
-                <a:pPr algn="ctr"/>
-                <a:endParaRPr lang="en-US" sz="1600">
-                  <a:latin typeface="Arial" panose="020B0604020202020204" pitchFamily="34" charset="0"/>
-                  <a:cs typeface="Arial" panose="020B0604020202020204" pitchFamily="34" charset="0"/>
-                </a:endParaRPr>
-              </a:p>
-            </p:txBody>
-          </p:sp>
-          <p:cxnSp>
-            <p:nvCxnSpPr>
-              <p:cNvPr id="56" name="Straight Connector 55"/>
-              <p:cNvCxnSpPr>
-                <a:stCxn id="55" idx="0"/>
-                <a:endCxn id="55" idx="2"/>
-              </p:cNvCxnSpPr>
-              <p:nvPr/>
-            </p:nvCxnSpPr>
-            <p:spPr>
-              <a:xfrm>
-                <a:off x="1651162" y="1048356"/>
-                <a:ext cx="0" cy="256265"/>
-              </a:xfrm>
-              <a:prstGeom prst="line">
-                <a:avLst/>
-              </a:prstGeom>
-              <a:ln w="28575">
-                <a:solidFill>
-                  <a:srgbClr val="FF0000"/>
-                </a:solidFill>
-              </a:ln>
-            </p:spPr>
-            <p:style>
-              <a:lnRef idx="1">
-                <a:schemeClr val="accent1"/>
-              </a:lnRef>
-              <a:fillRef idx="0">
-                <a:schemeClr val="accent1"/>
-              </a:fillRef>
-              <a:effectRef idx="0">
-                <a:schemeClr val="accent1"/>
-              </a:effectRef>
-              <a:fontRef idx="minor">
-                <a:schemeClr val="tx1"/>
-              </a:fontRef>
-            </p:style>
-          </p:cxnSp>
-        </p:grpSp>
-        <p:cxnSp>
-          <p:nvCxnSpPr>
-            <p:cNvPr id="53" name="Straight Arrow Connector 52"/>
-            <p:cNvCxnSpPr/>
-            <p:nvPr/>
-          </p:nvCxnSpPr>
-          <p:spPr>
-            <a:xfrm>
-              <a:off x="5298290" y="2931893"/>
-              <a:ext cx="972640" cy="1530"/>
-            </a:xfrm>
-            <a:prstGeom prst="straightConnector1">
-              <a:avLst/>
-            </a:prstGeom>
-            <a:ln w="28575">
-              <a:solidFill>
-                <a:schemeClr val="tx1"/>
-              </a:solidFill>
-              <a:headEnd type="triangle"/>
-              <a:tailEnd type="triangle"/>
-            </a:ln>
-          </p:spPr>
-          <p:style>
-            <a:lnRef idx="1">
-              <a:schemeClr val="accent1"/>
-            </a:lnRef>
-            <a:fillRef idx="0">
-              <a:schemeClr val="accent1"/>
-            </a:fillRef>
-            <a:effectRef idx="0">
-              <a:schemeClr val="accent1"/>
-            </a:effectRef>
-            <a:fontRef idx="minor">
-              <a:schemeClr val="tx1"/>
-            </a:fontRef>
-          </p:style>
-        </p:cxnSp>
-        <p:cxnSp>
-          <p:nvCxnSpPr>
-            <p:cNvPr id="54" name="Straight Arrow Connector 53"/>
-            <p:cNvCxnSpPr/>
-            <p:nvPr/>
-          </p:nvCxnSpPr>
-          <p:spPr>
-            <a:xfrm flipV="1">
-              <a:off x="3443280" y="3048378"/>
-              <a:ext cx="1013415" cy="6772"/>
-            </a:xfrm>
-            <a:prstGeom prst="straightConnector1">
-              <a:avLst/>
-            </a:prstGeom>
-            <a:ln w="28575">
-              <a:solidFill>
-                <a:schemeClr val="tx1"/>
-              </a:solidFill>
-              <a:headEnd type="triangle"/>
-              <a:tailEnd type="triangle"/>
-            </a:ln>
-          </p:spPr>
-          <p:style>
-            <a:lnRef idx="1">
-              <a:schemeClr val="accent1"/>
-            </a:lnRef>
-            <a:fillRef idx="0">
-              <a:schemeClr val="accent1"/>
-            </a:fillRef>
-            <a:effectRef idx="0">
-              <a:schemeClr val="accent1"/>
-            </a:effectRef>
-            <a:fontRef idx="minor">
-              <a:schemeClr val="tx1"/>
-            </a:fontRef>
-          </p:style>
-        </p:cxnSp>
-      </p:grpSp>
-      <p:grpSp>
-        <p:nvGrpSpPr>
-          <p:cNvPr id="27" name="Group 26"/>
-          <p:cNvGrpSpPr/>
-          <p:nvPr/>
-        </p:nvGrpSpPr>
-        <p:grpSpPr>
-          <a:xfrm>
-            <a:off x="2168746" y="4597888"/>
-            <a:ext cx="2137482" cy="256265"/>
-            <a:chOff x="582421" y="1048356"/>
-            <a:chExt cx="2137482" cy="256265"/>
-          </a:xfrm>
-        </p:grpSpPr>
-        <p:sp>
-          <p:nvSpPr>
-            <p:cNvPr id="28" name="Rectangle 27"/>
-            <p:cNvSpPr/>
-            <p:nvPr/>
-          </p:nvSpPr>
-          <p:spPr>
-            <a:xfrm>
-              <a:off x="582421" y="1048356"/>
-              <a:ext cx="2137482" cy="256265"/>
-            </a:xfrm>
-            <a:prstGeom prst="rect">
-              <a:avLst/>
-            </a:prstGeom>
-          </p:spPr>
-          <p:style>
-            <a:lnRef idx="2">
-              <a:schemeClr val="accent6">
-                <a:shade val="50000"/>
-              </a:schemeClr>
-            </a:lnRef>
-            <a:fillRef idx="1">
-              <a:schemeClr val="accent6"/>
-            </a:fillRef>
-            <a:effectRef idx="0">
-              <a:schemeClr val="accent6"/>
-            </a:effectRef>
-            <a:fontRef idx="minor">
-              <a:schemeClr val="lt1"/>
-            </a:fontRef>
-          </p:style>
-          <p:txBody>
-            <a:bodyPr rtlCol="0" anchor="ctr"/>
-            <a:lstStyle/>
-            <a:p>
-              <a:pPr algn="ctr"/>
-              <a:endParaRPr lang="en-US" sz="1600">
-                <a:latin typeface="Arial" panose="020B0604020202020204" pitchFamily="34" charset="0"/>
-                <a:cs typeface="Arial" panose="020B0604020202020204" pitchFamily="34" charset="0"/>
-              </a:endParaRPr>
-            </a:p>
-          </p:txBody>
-        </p:sp>
-        <p:cxnSp>
-          <p:nvCxnSpPr>
-            <p:cNvPr id="29" name="Straight Connector 28"/>
-            <p:cNvCxnSpPr>
-              <a:stCxn id="28" idx="0"/>
-              <a:endCxn id="28" idx="2"/>
-            </p:cNvCxnSpPr>
-            <p:nvPr/>
-          </p:nvCxnSpPr>
-          <p:spPr>
-            <a:xfrm>
-              <a:off x="1651162" y="1048356"/>
-              <a:ext cx="0" cy="256265"/>
-            </a:xfrm>
-            <a:prstGeom prst="line">
-              <a:avLst/>
-            </a:prstGeom>
-            <a:ln w="28575">
-              <a:solidFill>
-                <a:srgbClr val="FF0000"/>
-              </a:solidFill>
-            </a:ln>
-          </p:spPr>
-          <p:style>
-            <a:lnRef idx="1">
-              <a:schemeClr val="accent1"/>
-            </a:lnRef>
-            <a:fillRef idx="0">
-              <a:schemeClr val="accent1"/>
-            </a:fillRef>
-            <a:effectRef idx="0">
-              <a:schemeClr val="accent1"/>
-            </a:effectRef>
-            <a:fontRef idx="minor">
-              <a:schemeClr val="tx1"/>
-            </a:fontRef>
-          </p:style>
-        </p:cxnSp>
-      </p:grpSp>
-      <p:cxnSp>
-        <p:nvCxnSpPr>
-          <p:cNvPr id="38" name="Straight Arrow Connector 37"/>
-          <p:cNvCxnSpPr/>
-          <p:nvPr/>
-        </p:nvCxnSpPr>
-        <p:spPr>
-          <a:xfrm>
-            <a:off x="1466923" y="4726020"/>
-            <a:ext cx="3104300" cy="9191"/>
-          </a:xfrm>
-          <a:prstGeom prst="straightConnector1">
-            <a:avLst/>
-          </a:prstGeom>
-          <a:ln w="28575">
-            <a:solidFill>
-              <a:schemeClr val="tx1"/>
-            </a:solidFill>
-            <a:headEnd type="triangle"/>
-            <a:tailEnd type="triangle"/>
-          </a:ln>
-        </p:spPr>
-        <p:style>
-          <a:lnRef idx="1">
-            <a:schemeClr val="accent1"/>
-          </a:lnRef>
-          <a:fillRef idx="0">
-            <a:schemeClr val="accent1"/>
-          </a:fillRef>
-          <a:effectRef idx="0">
-            <a:schemeClr val="accent1"/>
-          </a:effectRef>
-          <a:fontRef idx="minor">
-            <a:schemeClr val="tx1"/>
-          </a:fontRef>
-        </p:style>
-      </p:cxnSp>
-      <p:grpSp>
-        <p:nvGrpSpPr>
-          <p:cNvPr id="67" name="Group 66"/>
-          <p:cNvGrpSpPr/>
-          <p:nvPr/>
-        </p:nvGrpSpPr>
-        <p:grpSpPr>
-          <a:xfrm>
-            <a:off x="2157594" y="5225348"/>
-            <a:ext cx="2137482" cy="256265"/>
-            <a:chOff x="582421" y="1048356"/>
-            <a:chExt cx="2137482" cy="256265"/>
-          </a:xfrm>
-        </p:grpSpPr>
-        <p:sp>
-          <p:nvSpPr>
-            <p:cNvPr id="69" name="Rectangle 68"/>
-            <p:cNvSpPr/>
-            <p:nvPr/>
-          </p:nvSpPr>
-          <p:spPr>
-            <a:xfrm>
-              <a:off x="582421" y="1048356"/>
-              <a:ext cx="2137482" cy="256265"/>
-            </a:xfrm>
-            <a:prstGeom prst="rect">
-              <a:avLst/>
-            </a:prstGeom>
-          </p:spPr>
-          <p:style>
-            <a:lnRef idx="2">
-              <a:schemeClr val="accent6">
-                <a:shade val="50000"/>
-              </a:schemeClr>
-            </a:lnRef>
-            <a:fillRef idx="1">
-              <a:schemeClr val="accent6"/>
-            </a:fillRef>
-            <a:effectRef idx="0">
-              <a:schemeClr val="accent6"/>
-            </a:effectRef>
-            <a:fontRef idx="minor">
-              <a:schemeClr val="lt1"/>
-            </a:fontRef>
-          </p:style>
-          <p:txBody>
-            <a:bodyPr rtlCol="0" anchor="ctr"/>
-            <a:lstStyle/>
-            <a:p>
-              <a:pPr algn="ctr"/>
-              <a:endParaRPr lang="en-US" sz="1600">
-                <a:latin typeface="Arial" panose="020B0604020202020204" pitchFamily="34" charset="0"/>
-                <a:cs typeface="Arial" panose="020B0604020202020204" pitchFamily="34" charset="0"/>
-              </a:endParaRPr>
-            </a:p>
-          </p:txBody>
-        </p:sp>
-        <p:cxnSp>
-          <p:nvCxnSpPr>
-            <p:cNvPr id="70" name="Straight Connector 69"/>
-            <p:cNvCxnSpPr>
-              <a:stCxn id="69" idx="0"/>
-              <a:endCxn id="69" idx="2"/>
-            </p:cNvCxnSpPr>
-            <p:nvPr/>
-          </p:nvCxnSpPr>
-          <p:spPr>
-            <a:xfrm>
-              <a:off x="1651162" y="1048356"/>
-              <a:ext cx="0" cy="256265"/>
-            </a:xfrm>
-            <a:prstGeom prst="line">
-              <a:avLst/>
-            </a:prstGeom>
-            <a:ln w="28575">
-              <a:solidFill>
-                <a:srgbClr val="FF0000"/>
-              </a:solidFill>
-            </a:ln>
-          </p:spPr>
-          <p:style>
-            <a:lnRef idx="1">
-              <a:schemeClr val="accent1"/>
-            </a:lnRef>
-            <a:fillRef idx="0">
-              <a:schemeClr val="accent1"/>
-            </a:fillRef>
-            <a:effectRef idx="0">
-              <a:schemeClr val="accent1"/>
-            </a:effectRef>
-            <a:fontRef idx="minor">
-              <a:schemeClr val="tx1"/>
-            </a:fontRef>
-          </p:style>
-        </p:cxnSp>
-      </p:grpSp>
-    </p:spTree>
-    <p:extLst>
-      <p:ext uri="{BB962C8B-B14F-4D97-AF65-F5344CB8AC3E}">
-        <p14:creationId xmlns:p14="http://schemas.microsoft.com/office/powerpoint/2010/main" val="182593881"/>
-      </p:ext>
-    </p:extLst>
-  </p:cSld>
-  <p:clrMapOvr>
-    <a:masterClrMapping/>
-  </p:clrMapOvr>
-  <p:timing>
-    <p:tnLst>
-      <p:par>
-        <p:cTn id="1" dur="indefinite" restart="never" nodeType="tmRoot"/>
-      </p:par>
-    </p:tnLst>
-  </p:timing>
-</p:sld>
-</file>
-
-<file path=ppt/slides/slide2.xml><?xml version="1.0" encoding="utf-8"?>
 <p:sld xmlns:a="http://schemas.openxmlformats.org/drawingml/2006/main" xmlns:r="http://schemas.openxmlformats.org/officeDocument/2006/relationships" xmlns:p="http://schemas.openxmlformats.org/presentationml/2006/main">
   <p:cSld>
     <p:spTree>
